--- a/exp_c/slide/実験C.pptx
+++ b/exp_c/slide/実験C.pptx
@@ -4,15 +4,21 @@
   <p:sldMasterIdLst>
     <p:sldMasterId id="2147483648" r:id="rId1"/>
   </p:sldMasterIdLst>
+  <p:notesMasterIdLst>
+    <p:notesMasterId r:id="rId13"/>
+  </p:notesMasterIdLst>
   <p:sldIdLst>
     <p:sldId id="256" r:id="rId2"/>
     <p:sldId id="257" r:id="rId3"/>
     <p:sldId id="262" r:id="rId4"/>
-    <p:sldId id="263" r:id="rId5"/>
-    <p:sldId id="258" r:id="rId6"/>
-    <p:sldId id="259" r:id="rId7"/>
-    <p:sldId id="260" r:id="rId8"/>
+    <p:sldId id="264" r:id="rId5"/>
+    <p:sldId id="259" r:id="rId6"/>
+    <p:sldId id="260" r:id="rId7"/>
+    <p:sldId id="265" r:id="rId8"/>
     <p:sldId id="261" r:id="rId9"/>
+    <p:sldId id="266" r:id="rId10"/>
+    <p:sldId id="258" r:id="rId11"/>
+    <p:sldId id="263" r:id="rId12"/>
   </p:sldIdLst>
   <p:sldSz cx="12192000" cy="6858000"/>
   <p:notesSz cx="6858000" cy="9144000"/>
@@ -113,10 +119,389 @@
   </p:defaultTextStyle>
   <p:extLst>
     <p:ext uri="{EFAFB233-063F-42B5-8137-9DF3F51BA10A}">
-      <p15:sldGuideLst xmlns:p15="http://schemas.microsoft.com/office/powerpoint/2012/main"/>
+      <p15:sldGuideLst xmlns:p15="http://schemas.microsoft.com/office/powerpoint/2012/main" xmlns=""/>
     </p:ext>
   </p:extLst>
 </p:presentation>
+</file>
+
+<file path=ppt/notesMasters/notesMaster1.xml><?xml version="1.0" encoding="utf-8"?>
+<p:notesMaster xmlns:a="http://schemas.openxmlformats.org/drawingml/2006/main" xmlns:r="http://schemas.openxmlformats.org/officeDocument/2006/relationships" xmlns:p="http://schemas.openxmlformats.org/presentationml/2006/main">
+  <p:cSld>
+    <p:bg>
+      <p:bgRef idx="1001">
+        <a:schemeClr val="bg1"/>
+      </p:bgRef>
+    </p:bg>
+    <p:spTree>
+      <p:nvGrpSpPr>
+        <p:cNvPr id="1" name=""/>
+        <p:cNvGrpSpPr/>
+        <p:nvPr/>
+      </p:nvGrpSpPr>
+      <p:grpSpPr>
+        <a:xfrm>
+          <a:off x="0" y="0"/>
+          <a:ext cx="0" cy="0"/>
+          <a:chOff x="0" y="0"/>
+          <a:chExt cx="0" cy="0"/>
+        </a:xfrm>
+      </p:grpSpPr>
+      <p:sp>
+        <p:nvSpPr>
+          <p:cNvPr id="2" name="ヘッダー プレースホルダ 1"/>
+          <p:cNvSpPr>
+            <a:spLocks noGrp="1"/>
+          </p:cNvSpPr>
+          <p:nvPr>
+            <p:ph type="hdr" sz="quarter"/>
+          </p:nvPr>
+        </p:nvSpPr>
+        <p:spPr>
+          <a:xfrm>
+            <a:off x="0" y="0"/>
+            <a:ext cx="2971800" cy="457200"/>
+          </a:xfrm>
+          <a:prstGeom prst="rect">
+            <a:avLst/>
+          </a:prstGeom>
+        </p:spPr>
+        <p:txBody>
+          <a:bodyPr vert="horz" lIns="91440" tIns="45720" rIns="91440" bIns="45720" rtlCol="0"/>
+          <a:lstStyle>
+            <a:lvl1pPr algn="l">
+              <a:defRPr sz="1200"/>
+            </a:lvl1pPr>
+          </a:lstStyle>
+          <a:p>
+            <a:endParaRPr kumimoji="1" lang="ja-JP" altLang="en-US"/>
+          </a:p>
+        </p:txBody>
+      </p:sp>
+      <p:sp>
+        <p:nvSpPr>
+          <p:cNvPr id="3" name="日付プレースホルダ 2"/>
+          <p:cNvSpPr>
+            <a:spLocks noGrp="1"/>
+          </p:cNvSpPr>
+          <p:nvPr>
+            <p:ph type="dt" idx="1"/>
+          </p:nvPr>
+        </p:nvSpPr>
+        <p:spPr>
+          <a:xfrm>
+            <a:off x="3884613" y="0"/>
+            <a:ext cx="2971800" cy="457200"/>
+          </a:xfrm>
+          <a:prstGeom prst="rect">
+            <a:avLst/>
+          </a:prstGeom>
+        </p:spPr>
+        <p:txBody>
+          <a:bodyPr vert="horz" lIns="91440" tIns="45720" rIns="91440" bIns="45720" rtlCol="0"/>
+          <a:lstStyle>
+            <a:lvl1pPr algn="r">
+              <a:defRPr sz="1200"/>
+            </a:lvl1pPr>
+          </a:lstStyle>
+          <a:p>
+            <a:fld id="{D1C49A42-752E-43B2-AF6B-00325B81CBAA}" type="datetimeFigureOut">
+              <a:rPr kumimoji="1" lang="ja-JP" altLang="en-US" smtClean="0"/>
+              <a:t>2019/5/20</a:t>
+            </a:fld>
+            <a:endParaRPr kumimoji="1" lang="ja-JP" altLang="en-US"/>
+          </a:p>
+        </p:txBody>
+      </p:sp>
+      <p:sp>
+        <p:nvSpPr>
+          <p:cNvPr id="4" name="スライド イメージ プレースホルダ 3"/>
+          <p:cNvSpPr>
+            <a:spLocks noGrp="1" noRot="1" noChangeAspect="1"/>
+          </p:cNvSpPr>
+          <p:nvPr>
+            <p:ph type="sldImg" idx="2"/>
+          </p:nvPr>
+        </p:nvSpPr>
+        <p:spPr>
+          <a:xfrm>
+            <a:off x="381000" y="685800"/>
+            <a:ext cx="6096000" cy="3429000"/>
+          </a:xfrm>
+          <a:prstGeom prst="rect">
+            <a:avLst/>
+          </a:prstGeom>
+          <a:noFill/>
+          <a:ln w="12700">
+            <a:solidFill>
+              <a:prstClr val="black"/>
+            </a:solidFill>
+          </a:ln>
+        </p:spPr>
+        <p:txBody>
+          <a:bodyPr vert="horz" lIns="91440" tIns="45720" rIns="91440" bIns="45720" rtlCol="0" anchor="ctr"/>
+          <a:lstStyle/>
+          <a:p>
+            <a:endParaRPr lang="ja-JP" altLang="en-US"/>
+          </a:p>
+        </p:txBody>
+      </p:sp>
+      <p:sp>
+        <p:nvSpPr>
+          <p:cNvPr id="5" name="ノート プレースホルダ 4"/>
+          <p:cNvSpPr>
+            <a:spLocks noGrp="1"/>
+          </p:cNvSpPr>
+          <p:nvPr>
+            <p:ph type="body" sz="quarter" idx="3"/>
+          </p:nvPr>
+        </p:nvSpPr>
+        <p:spPr>
+          <a:xfrm>
+            <a:off x="685800" y="4343400"/>
+            <a:ext cx="5486400" cy="4114800"/>
+          </a:xfrm>
+          <a:prstGeom prst="rect">
+            <a:avLst/>
+          </a:prstGeom>
+        </p:spPr>
+        <p:txBody>
+          <a:bodyPr vert="horz" lIns="91440" tIns="45720" rIns="91440" bIns="45720" rtlCol="0">
+            <a:normAutofit/>
+          </a:bodyPr>
+          <a:lstStyle/>
+          <a:p>
+            <a:pPr lvl="0"/>
+            <a:r>
+              <a:rPr kumimoji="1" lang="ja-JP" altLang="en-US" smtClean="0"/>
+              <a:t>マスタ テキストの書式設定</a:t>
+            </a:r>
+          </a:p>
+          <a:p>
+            <a:pPr lvl="1"/>
+            <a:r>
+              <a:rPr kumimoji="1" lang="ja-JP" altLang="en-US" smtClean="0"/>
+              <a:t>第 </a:t>
+            </a:r>
+            <a:r>
+              <a:rPr kumimoji="1" lang="en-US" altLang="ja-JP" smtClean="0"/>
+              <a:t>2 </a:t>
+            </a:r>
+            <a:r>
+              <a:rPr kumimoji="1" lang="ja-JP" altLang="en-US" smtClean="0"/>
+              <a:t>レベル</a:t>
+            </a:r>
+          </a:p>
+          <a:p>
+            <a:pPr lvl="2"/>
+            <a:r>
+              <a:rPr kumimoji="1" lang="ja-JP" altLang="en-US" smtClean="0"/>
+              <a:t>第 </a:t>
+            </a:r>
+            <a:r>
+              <a:rPr kumimoji="1" lang="en-US" altLang="ja-JP" smtClean="0"/>
+              <a:t>3 </a:t>
+            </a:r>
+            <a:r>
+              <a:rPr kumimoji="1" lang="ja-JP" altLang="en-US" smtClean="0"/>
+              <a:t>レベル</a:t>
+            </a:r>
+          </a:p>
+          <a:p>
+            <a:pPr lvl="3"/>
+            <a:r>
+              <a:rPr kumimoji="1" lang="ja-JP" altLang="en-US" smtClean="0"/>
+              <a:t>第 </a:t>
+            </a:r>
+            <a:r>
+              <a:rPr kumimoji="1" lang="en-US" altLang="ja-JP" smtClean="0"/>
+              <a:t>4 </a:t>
+            </a:r>
+            <a:r>
+              <a:rPr kumimoji="1" lang="ja-JP" altLang="en-US" smtClean="0"/>
+              <a:t>レベル</a:t>
+            </a:r>
+          </a:p>
+          <a:p>
+            <a:pPr lvl="4"/>
+            <a:r>
+              <a:rPr kumimoji="1" lang="ja-JP" altLang="en-US" smtClean="0"/>
+              <a:t>第 </a:t>
+            </a:r>
+            <a:r>
+              <a:rPr kumimoji="1" lang="en-US" altLang="ja-JP" smtClean="0"/>
+              <a:t>5 </a:t>
+            </a:r>
+            <a:r>
+              <a:rPr kumimoji="1" lang="ja-JP" altLang="en-US" smtClean="0"/>
+              <a:t>レベル</a:t>
+            </a:r>
+            <a:endParaRPr kumimoji="1" lang="ja-JP" altLang="en-US"/>
+          </a:p>
+        </p:txBody>
+      </p:sp>
+      <p:sp>
+        <p:nvSpPr>
+          <p:cNvPr id="6" name="フッター プレースホルダ 5"/>
+          <p:cNvSpPr>
+            <a:spLocks noGrp="1"/>
+          </p:cNvSpPr>
+          <p:nvPr>
+            <p:ph type="ftr" sz="quarter" idx="4"/>
+          </p:nvPr>
+        </p:nvSpPr>
+        <p:spPr>
+          <a:xfrm>
+            <a:off x="0" y="8685213"/>
+            <a:ext cx="2971800" cy="457200"/>
+          </a:xfrm>
+          <a:prstGeom prst="rect">
+            <a:avLst/>
+          </a:prstGeom>
+        </p:spPr>
+        <p:txBody>
+          <a:bodyPr vert="horz" lIns="91440" tIns="45720" rIns="91440" bIns="45720" rtlCol="0" anchor="b"/>
+          <a:lstStyle>
+            <a:lvl1pPr algn="l">
+              <a:defRPr sz="1200"/>
+            </a:lvl1pPr>
+          </a:lstStyle>
+          <a:p>
+            <a:endParaRPr kumimoji="1" lang="ja-JP" altLang="en-US"/>
+          </a:p>
+        </p:txBody>
+      </p:sp>
+      <p:sp>
+        <p:nvSpPr>
+          <p:cNvPr id="7" name="スライド番号プレースホルダ 6"/>
+          <p:cNvSpPr>
+            <a:spLocks noGrp="1"/>
+          </p:cNvSpPr>
+          <p:nvPr>
+            <p:ph type="sldNum" sz="quarter" idx="5"/>
+          </p:nvPr>
+        </p:nvSpPr>
+        <p:spPr>
+          <a:xfrm>
+            <a:off x="3884613" y="8685213"/>
+            <a:ext cx="2971800" cy="457200"/>
+          </a:xfrm>
+          <a:prstGeom prst="rect">
+            <a:avLst/>
+          </a:prstGeom>
+        </p:spPr>
+        <p:txBody>
+          <a:bodyPr vert="horz" lIns="91440" tIns="45720" rIns="91440" bIns="45720" rtlCol="0" anchor="b"/>
+          <a:lstStyle>
+            <a:lvl1pPr algn="r">
+              <a:defRPr sz="1200"/>
+            </a:lvl1pPr>
+          </a:lstStyle>
+          <a:p>
+            <a:fld id="{BA6E6B16-59A3-4689-8F55-731AB10C45A0}" type="slidenum">
+              <a:rPr kumimoji="1" lang="ja-JP" altLang="en-US" smtClean="0"/>
+              <a:t>&lt;#&gt;</a:t>
+            </a:fld>
+            <a:endParaRPr kumimoji="1" lang="ja-JP" altLang="en-US"/>
+          </a:p>
+        </p:txBody>
+      </p:sp>
+    </p:spTree>
+  </p:cSld>
+  <p:clrMap bg1="lt1" tx1="dk1" bg2="lt2" tx2="dk2" accent1="accent1" accent2="accent2" accent3="accent3" accent4="accent4" accent5="accent5" accent6="accent6" hlink="hlink" folHlink="folHlink"/>
+  <p:notesStyle>
+    <a:lvl1pPr marL="0" algn="l" defTabSz="914400" rtl="0" eaLnBrk="1" latinLnBrk="0" hangingPunct="1">
+      <a:defRPr kumimoji="1" sz="1200" kern="1200">
+        <a:solidFill>
+          <a:schemeClr val="tx1"/>
+        </a:solidFill>
+        <a:latin typeface="+mn-lt"/>
+        <a:ea typeface="+mn-ea"/>
+        <a:cs typeface="+mn-cs"/>
+      </a:defRPr>
+    </a:lvl1pPr>
+    <a:lvl2pPr marL="457200" algn="l" defTabSz="914400" rtl="0" eaLnBrk="1" latinLnBrk="0" hangingPunct="1">
+      <a:defRPr kumimoji="1" sz="1200" kern="1200">
+        <a:solidFill>
+          <a:schemeClr val="tx1"/>
+        </a:solidFill>
+        <a:latin typeface="+mn-lt"/>
+        <a:ea typeface="+mn-ea"/>
+        <a:cs typeface="+mn-cs"/>
+      </a:defRPr>
+    </a:lvl2pPr>
+    <a:lvl3pPr marL="914400" algn="l" defTabSz="914400" rtl="0" eaLnBrk="1" latinLnBrk="0" hangingPunct="1">
+      <a:defRPr kumimoji="1" sz="1200" kern="1200">
+        <a:solidFill>
+          <a:schemeClr val="tx1"/>
+        </a:solidFill>
+        <a:latin typeface="+mn-lt"/>
+        <a:ea typeface="+mn-ea"/>
+        <a:cs typeface="+mn-cs"/>
+      </a:defRPr>
+    </a:lvl3pPr>
+    <a:lvl4pPr marL="1371600" algn="l" defTabSz="914400" rtl="0" eaLnBrk="1" latinLnBrk="0" hangingPunct="1">
+      <a:defRPr kumimoji="1" sz="1200" kern="1200">
+        <a:solidFill>
+          <a:schemeClr val="tx1"/>
+        </a:solidFill>
+        <a:latin typeface="+mn-lt"/>
+        <a:ea typeface="+mn-ea"/>
+        <a:cs typeface="+mn-cs"/>
+      </a:defRPr>
+    </a:lvl4pPr>
+    <a:lvl5pPr marL="1828800" algn="l" defTabSz="914400" rtl="0" eaLnBrk="1" latinLnBrk="0" hangingPunct="1">
+      <a:defRPr kumimoji="1" sz="1200" kern="1200">
+        <a:solidFill>
+          <a:schemeClr val="tx1"/>
+        </a:solidFill>
+        <a:latin typeface="+mn-lt"/>
+        <a:ea typeface="+mn-ea"/>
+        <a:cs typeface="+mn-cs"/>
+      </a:defRPr>
+    </a:lvl5pPr>
+    <a:lvl6pPr marL="2286000" algn="l" defTabSz="914400" rtl="0" eaLnBrk="1" latinLnBrk="0" hangingPunct="1">
+      <a:defRPr kumimoji="1" sz="1200" kern="1200">
+        <a:solidFill>
+          <a:schemeClr val="tx1"/>
+        </a:solidFill>
+        <a:latin typeface="+mn-lt"/>
+        <a:ea typeface="+mn-ea"/>
+        <a:cs typeface="+mn-cs"/>
+      </a:defRPr>
+    </a:lvl6pPr>
+    <a:lvl7pPr marL="2743200" algn="l" defTabSz="914400" rtl="0" eaLnBrk="1" latinLnBrk="0" hangingPunct="1">
+      <a:defRPr kumimoji="1" sz="1200" kern="1200">
+        <a:solidFill>
+          <a:schemeClr val="tx1"/>
+        </a:solidFill>
+        <a:latin typeface="+mn-lt"/>
+        <a:ea typeface="+mn-ea"/>
+        <a:cs typeface="+mn-cs"/>
+      </a:defRPr>
+    </a:lvl7pPr>
+    <a:lvl8pPr marL="3200400" algn="l" defTabSz="914400" rtl="0" eaLnBrk="1" latinLnBrk="0" hangingPunct="1">
+      <a:defRPr kumimoji="1" sz="1200" kern="1200">
+        <a:solidFill>
+          <a:schemeClr val="tx1"/>
+        </a:solidFill>
+        <a:latin typeface="+mn-lt"/>
+        <a:ea typeface="+mn-ea"/>
+        <a:cs typeface="+mn-cs"/>
+      </a:defRPr>
+    </a:lvl8pPr>
+    <a:lvl9pPr marL="3657600" algn="l" defTabSz="914400" rtl="0" eaLnBrk="1" latinLnBrk="0" hangingPunct="1">
+      <a:defRPr kumimoji="1" sz="1200" kern="1200">
+        <a:solidFill>
+          <a:schemeClr val="tx1"/>
+        </a:solidFill>
+        <a:latin typeface="+mn-lt"/>
+        <a:ea typeface="+mn-ea"/>
+        <a:cs typeface="+mn-cs"/>
+      </a:defRPr>
+    </a:lvl9pPr>
+  </p:notesStyle>
+</p:notesMaster>
 </file>
 
 <file path=ppt/slideLayouts/slideLayout1.xml><?xml version="1.0" encoding="utf-8"?>
@@ -248,7 +633,7 @@
           <a:bodyPr/>
           <a:lstStyle/>
           <a:p>
-            <a:fld id="{A5A18F12-3D8B-467F-91F2-9003DA224C82}" type="datetimeFigureOut">
+            <a:fld id="{A184D911-849A-4EB6-9348-3A20F8D26C37}" type="datetime1">
               <a:rPr kumimoji="1" lang="ja-JP" altLang="en-US" smtClean="0"/>
               <a:t>2019/5/20</a:t>
             </a:fld>
@@ -292,7 +677,8 @@
           <a:p>
             <a:fld id="{CA40FFDB-7047-4507-8E2F-E8E6C535F1CF}" type="slidenum">
               <a:rPr kumimoji="1" lang="ja-JP" altLang="en-US" smtClean="0"/>
-              <a:t>‹#›</a:t>
+              <a:pPr/>
+              <a:t>&lt;#&gt;</a:t>
             </a:fld>
             <a:endParaRPr kumimoji="1" lang="ja-JP" altLang="en-US"/>
           </a:p>
@@ -301,7 +687,7 @@
     </p:spTree>
     <p:extLst>
       <p:ext uri="{BB962C8B-B14F-4D97-AF65-F5344CB8AC3E}">
-        <p14:creationId xmlns:p14="http://schemas.microsoft.com/office/powerpoint/2010/main" val="1198893542"/>
+        <p14:creationId xmlns:p14="http://schemas.microsoft.com/office/powerpoint/2010/main" xmlns="" val="1198893542"/>
       </p:ext>
     </p:extLst>
   </p:cSld>
@@ -450,7 +836,7 @@
           <a:bodyPr/>
           <a:lstStyle/>
           <a:p>
-            <a:fld id="{A5A18F12-3D8B-467F-91F2-9003DA224C82}" type="datetimeFigureOut">
+            <a:fld id="{C42DB812-2B65-46F3-B970-C72045A520C8}" type="datetime1">
               <a:rPr kumimoji="1" lang="ja-JP" altLang="en-US" smtClean="0"/>
               <a:t>2019/5/20</a:t>
             </a:fld>
@@ -494,7 +880,8 @@
           <a:p>
             <a:fld id="{CA40FFDB-7047-4507-8E2F-E8E6C535F1CF}" type="slidenum">
               <a:rPr kumimoji="1" lang="ja-JP" altLang="en-US" smtClean="0"/>
-              <a:t>‹#›</a:t>
+              <a:pPr/>
+              <a:t>&lt;#&gt;</a:t>
             </a:fld>
             <a:endParaRPr kumimoji="1" lang="ja-JP" altLang="en-US"/>
           </a:p>
@@ -503,7 +890,7 @@
     </p:spTree>
     <p:extLst>
       <p:ext uri="{BB962C8B-B14F-4D97-AF65-F5344CB8AC3E}">
-        <p14:creationId xmlns:p14="http://schemas.microsoft.com/office/powerpoint/2010/main" val="4276123792"/>
+        <p14:creationId xmlns:p14="http://schemas.microsoft.com/office/powerpoint/2010/main" xmlns="" val="4276123792"/>
       </p:ext>
     </p:extLst>
   </p:cSld>
@@ -542,7 +929,7 @@
         </p:nvSpPr>
         <p:spPr>
           <a:xfrm>
-            <a:off x="8724900" y="365125"/>
+            <a:off x="8724901" y="365125"/>
             <a:ext cx="2628900" cy="5811838"/>
           </a:xfrm>
         </p:spPr>
@@ -662,7 +1049,7 @@
           <a:bodyPr/>
           <a:lstStyle/>
           <a:p>
-            <a:fld id="{A5A18F12-3D8B-467F-91F2-9003DA224C82}" type="datetimeFigureOut">
+            <a:fld id="{62AA27FA-0165-4AB7-9CDA-B5D0A12C1694}" type="datetime1">
               <a:rPr kumimoji="1" lang="ja-JP" altLang="en-US" smtClean="0"/>
               <a:t>2019/5/20</a:t>
             </a:fld>
@@ -706,7 +1093,8 @@
           <a:p>
             <a:fld id="{CA40FFDB-7047-4507-8E2F-E8E6C535F1CF}" type="slidenum">
               <a:rPr kumimoji="1" lang="ja-JP" altLang="en-US" smtClean="0"/>
-              <a:t>‹#›</a:t>
+              <a:pPr/>
+              <a:t>&lt;#&gt;</a:t>
             </a:fld>
             <a:endParaRPr kumimoji="1" lang="ja-JP" altLang="en-US"/>
           </a:p>
@@ -715,7 +1103,7 @@
     </p:spTree>
     <p:extLst>
       <p:ext uri="{BB962C8B-B14F-4D97-AF65-F5344CB8AC3E}">
-        <p14:creationId xmlns:p14="http://schemas.microsoft.com/office/powerpoint/2010/main" val="2440091375"/>
+        <p14:creationId xmlns:p14="http://schemas.microsoft.com/office/powerpoint/2010/main" xmlns="" val="2440091375"/>
       </p:ext>
     </p:extLst>
   </p:cSld>
@@ -864,7 +1252,7 @@
           <a:bodyPr/>
           <a:lstStyle/>
           <a:p>
-            <a:fld id="{A5A18F12-3D8B-467F-91F2-9003DA224C82}" type="datetimeFigureOut">
+            <a:fld id="{5B278F6C-D314-494E-8495-1E32FBBB88B3}" type="datetime1">
               <a:rPr kumimoji="1" lang="ja-JP" altLang="en-US" smtClean="0"/>
               <a:t>2019/5/20</a:t>
             </a:fld>
@@ -908,7 +1296,8 @@
           <a:p>
             <a:fld id="{CA40FFDB-7047-4507-8E2F-E8E6C535F1CF}" type="slidenum">
               <a:rPr kumimoji="1" lang="ja-JP" altLang="en-US" smtClean="0"/>
-              <a:t>‹#›</a:t>
+              <a:pPr/>
+              <a:t>&lt;#&gt;</a:t>
             </a:fld>
             <a:endParaRPr kumimoji="1" lang="ja-JP" altLang="en-US"/>
           </a:p>
@@ -917,7 +1306,7 @@
     </p:spTree>
     <p:extLst>
       <p:ext uri="{BB962C8B-B14F-4D97-AF65-F5344CB8AC3E}">
-        <p14:creationId xmlns:p14="http://schemas.microsoft.com/office/powerpoint/2010/main" val="1998512475"/>
+        <p14:creationId xmlns:p14="http://schemas.microsoft.com/office/powerpoint/2010/main" xmlns="" val="1998512475"/>
       </p:ext>
     </p:extLst>
   </p:cSld>
@@ -956,8 +1345,8 @@
         </p:nvSpPr>
         <p:spPr>
           <a:xfrm>
-            <a:off x="831850" y="1709738"/>
-            <a:ext cx="10515600" cy="2852737"/>
+            <a:off x="831849" y="1709740"/>
+            <a:ext cx="10515601" cy="2852737"/>
           </a:xfrm>
         </p:spPr>
         <p:txBody>
@@ -988,8 +1377,8 @@
         </p:nvSpPr>
         <p:spPr>
           <a:xfrm>
-            <a:off x="831850" y="4589463"/>
-            <a:ext cx="10515600" cy="1500187"/>
+            <a:off x="831849" y="4589465"/>
+            <a:ext cx="10515601" cy="1500187"/>
           </a:xfrm>
         </p:spPr>
         <p:txBody>
@@ -1110,7 +1499,7 @@
           <a:bodyPr/>
           <a:lstStyle/>
           <a:p>
-            <a:fld id="{A5A18F12-3D8B-467F-91F2-9003DA224C82}" type="datetimeFigureOut">
+            <a:fld id="{4C80E5B5-2692-4A09-99A4-C5E51C3D8584}" type="datetime1">
               <a:rPr kumimoji="1" lang="ja-JP" altLang="en-US" smtClean="0"/>
               <a:t>2019/5/20</a:t>
             </a:fld>
@@ -1154,7 +1543,8 @@
           <a:p>
             <a:fld id="{CA40FFDB-7047-4507-8E2F-E8E6C535F1CF}" type="slidenum">
               <a:rPr kumimoji="1" lang="ja-JP" altLang="en-US" smtClean="0"/>
-              <a:t>‹#›</a:t>
+              <a:pPr/>
+              <a:t>&lt;#&gt;</a:t>
             </a:fld>
             <a:endParaRPr kumimoji="1" lang="ja-JP" altLang="en-US"/>
           </a:p>
@@ -1163,7 +1553,7 @@
     </p:spTree>
     <p:extLst>
       <p:ext uri="{BB962C8B-B14F-4D97-AF65-F5344CB8AC3E}">
-        <p14:creationId xmlns:p14="http://schemas.microsoft.com/office/powerpoint/2010/main" val="3097025918"/>
+        <p14:creationId xmlns:p14="http://schemas.microsoft.com/office/powerpoint/2010/main" xmlns="" val="3097025918"/>
       </p:ext>
     </p:extLst>
   </p:cSld>
@@ -1314,7 +1704,7 @@
         </p:nvSpPr>
         <p:spPr>
           <a:xfrm>
-            <a:off x="6172200" y="1825625"/>
+            <a:off x="6172201" y="1825625"/>
             <a:ext cx="5181600" cy="4351338"/>
           </a:xfrm>
         </p:spPr>
@@ -1406,7 +1796,7 @@
           <a:bodyPr/>
           <a:lstStyle/>
           <a:p>
-            <a:fld id="{A5A18F12-3D8B-467F-91F2-9003DA224C82}" type="datetimeFigureOut">
+            <a:fld id="{FF9D241B-DDE1-48E6-8DEB-C3B2309E7865}" type="datetime1">
               <a:rPr kumimoji="1" lang="ja-JP" altLang="en-US" smtClean="0"/>
               <a:t>2019/5/20</a:t>
             </a:fld>
@@ -1450,7 +1840,8 @@
           <a:p>
             <a:fld id="{CA40FFDB-7047-4507-8E2F-E8E6C535F1CF}" type="slidenum">
               <a:rPr kumimoji="1" lang="ja-JP" altLang="en-US" smtClean="0"/>
-              <a:t>‹#›</a:t>
+              <a:pPr/>
+              <a:t>&lt;#&gt;</a:t>
             </a:fld>
             <a:endParaRPr kumimoji="1" lang="ja-JP" altLang="en-US"/>
           </a:p>
@@ -1459,7 +1850,7 @@
     </p:spTree>
     <p:extLst>
       <p:ext uri="{BB962C8B-B14F-4D97-AF65-F5344CB8AC3E}">
-        <p14:creationId xmlns:p14="http://schemas.microsoft.com/office/powerpoint/2010/main" val="847589105"/>
+        <p14:creationId xmlns:p14="http://schemas.microsoft.com/office/powerpoint/2010/main" xmlns="" val="847589105"/>
       </p:ext>
     </p:extLst>
   </p:cSld>
@@ -1498,8 +1889,8 @@
         </p:nvSpPr>
         <p:spPr>
           <a:xfrm>
-            <a:off x="839788" y="365125"/>
-            <a:ext cx="10515600" cy="1325563"/>
+            <a:off x="839788" y="365127"/>
+            <a:ext cx="10515601" cy="1325563"/>
           </a:xfrm>
         </p:spPr>
         <p:txBody>
@@ -1526,7 +1917,7 @@
         </p:nvSpPr>
         <p:spPr>
           <a:xfrm>
-            <a:off x="839788" y="1681163"/>
+            <a:off x="839789" y="1681163"/>
             <a:ext cx="5157787" cy="823912"/>
           </a:xfrm>
         </p:spPr>
@@ -1591,7 +1982,7 @@
         </p:nvSpPr>
         <p:spPr>
           <a:xfrm>
-            <a:off x="839788" y="2505075"/>
+            <a:off x="839789" y="2505075"/>
             <a:ext cx="5157787" cy="3684588"/>
           </a:xfrm>
         </p:spPr>
@@ -1680,7 +2071,7 @@
         </p:nvSpPr>
         <p:spPr>
           <a:xfrm>
-            <a:off x="6172200" y="1681163"/>
+            <a:off x="6172201" y="1681163"/>
             <a:ext cx="5183188" cy="823912"/>
           </a:xfrm>
         </p:spPr>
@@ -1745,7 +2136,7 @@
         </p:nvSpPr>
         <p:spPr>
           <a:xfrm>
-            <a:off x="6172200" y="2505075"/>
+            <a:off x="6172201" y="2505075"/>
             <a:ext cx="5183188" cy="3684588"/>
           </a:xfrm>
         </p:spPr>
@@ -1837,7 +2228,7 @@
           <a:bodyPr/>
           <a:lstStyle/>
           <a:p>
-            <a:fld id="{A5A18F12-3D8B-467F-91F2-9003DA224C82}" type="datetimeFigureOut">
+            <a:fld id="{4B595D7C-BFCF-4388-9458-8BDB50273840}" type="datetime1">
               <a:rPr kumimoji="1" lang="ja-JP" altLang="en-US" smtClean="0"/>
               <a:t>2019/5/20</a:t>
             </a:fld>
@@ -1881,7 +2272,8 @@
           <a:p>
             <a:fld id="{CA40FFDB-7047-4507-8E2F-E8E6C535F1CF}" type="slidenum">
               <a:rPr kumimoji="1" lang="ja-JP" altLang="en-US" smtClean="0"/>
-              <a:t>‹#›</a:t>
+              <a:pPr/>
+              <a:t>&lt;#&gt;</a:t>
             </a:fld>
             <a:endParaRPr kumimoji="1" lang="ja-JP" altLang="en-US"/>
           </a:p>
@@ -1890,7 +2282,7 @@
     </p:spTree>
     <p:extLst>
       <p:ext uri="{BB962C8B-B14F-4D97-AF65-F5344CB8AC3E}">
-        <p14:creationId xmlns:p14="http://schemas.microsoft.com/office/powerpoint/2010/main" val="4013477526"/>
+        <p14:creationId xmlns:p14="http://schemas.microsoft.com/office/powerpoint/2010/main" xmlns="" val="4013477526"/>
       </p:ext>
     </p:extLst>
   </p:cSld>
@@ -1955,7 +2347,7 @@
           <a:bodyPr/>
           <a:lstStyle/>
           <a:p>
-            <a:fld id="{A5A18F12-3D8B-467F-91F2-9003DA224C82}" type="datetimeFigureOut">
+            <a:fld id="{3D58ED27-8DEF-4C7C-B60B-DFAD8E4786F0}" type="datetime1">
               <a:rPr kumimoji="1" lang="ja-JP" altLang="en-US" smtClean="0"/>
               <a:t>2019/5/20</a:t>
             </a:fld>
@@ -1999,7 +2391,8 @@
           <a:p>
             <a:fld id="{CA40FFDB-7047-4507-8E2F-E8E6C535F1CF}" type="slidenum">
               <a:rPr kumimoji="1" lang="ja-JP" altLang="en-US" smtClean="0"/>
-              <a:t>‹#›</a:t>
+              <a:pPr/>
+              <a:t>&lt;#&gt;</a:t>
             </a:fld>
             <a:endParaRPr kumimoji="1" lang="ja-JP" altLang="en-US"/>
           </a:p>
@@ -2008,7 +2401,7 @@
     </p:spTree>
     <p:extLst>
       <p:ext uri="{BB962C8B-B14F-4D97-AF65-F5344CB8AC3E}">
-        <p14:creationId xmlns:p14="http://schemas.microsoft.com/office/powerpoint/2010/main" val="337126426"/>
+        <p14:creationId xmlns:p14="http://schemas.microsoft.com/office/powerpoint/2010/main" xmlns="" val="337126426"/>
       </p:ext>
     </p:extLst>
   </p:cSld>
@@ -2050,7 +2443,7 @@
           <a:bodyPr/>
           <a:lstStyle/>
           <a:p>
-            <a:fld id="{A5A18F12-3D8B-467F-91F2-9003DA224C82}" type="datetimeFigureOut">
+            <a:fld id="{C40D1ED7-FB92-4CFE-A696-2801CA95E3BF}" type="datetime1">
               <a:rPr kumimoji="1" lang="ja-JP" altLang="en-US" smtClean="0"/>
               <a:t>2019/5/20</a:t>
             </a:fld>
@@ -2094,7 +2487,8 @@
           <a:p>
             <a:fld id="{CA40FFDB-7047-4507-8E2F-E8E6C535F1CF}" type="slidenum">
               <a:rPr kumimoji="1" lang="ja-JP" altLang="en-US" smtClean="0"/>
-              <a:t>‹#›</a:t>
+              <a:pPr/>
+              <a:t>&lt;#&gt;</a:t>
             </a:fld>
             <a:endParaRPr kumimoji="1" lang="ja-JP" altLang="en-US"/>
           </a:p>
@@ -2103,7 +2497,7 @@
     </p:spTree>
     <p:extLst>
       <p:ext uri="{BB962C8B-B14F-4D97-AF65-F5344CB8AC3E}">
-        <p14:creationId xmlns:p14="http://schemas.microsoft.com/office/powerpoint/2010/main" val="2558757569"/>
+        <p14:creationId xmlns:p14="http://schemas.microsoft.com/office/powerpoint/2010/main" xmlns="" val="2558757569"/>
       </p:ext>
     </p:extLst>
   </p:cSld>
@@ -2142,7 +2536,7 @@
         </p:nvSpPr>
         <p:spPr>
           <a:xfrm>
-            <a:off x="839788" y="457200"/>
+            <a:off x="839790" y="457200"/>
             <a:ext cx="3932237" cy="1600200"/>
           </a:xfrm>
         </p:spPr>
@@ -2174,7 +2568,7 @@
         </p:nvSpPr>
         <p:spPr>
           <a:xfrm>
-            <a:off x="5183188" y="987425"/>
+            <a:off x="5183188" y="987427"/>
             <a:ext cx="6172200" cy="4873625"/>
           </a:xfrm>
         </p:spPr>
@@ -2291,7 +2685,7 @@
         </p:nvSpPr>
         <p:spPr>
           <a:xfrm>
-            <a:off x="839788" y="2057400"/>
+            <a:off x="839790" y="2057400"/>
             <a:ext cx="3932237" cy="3811588"/>
           </a:xfrm>
         </p:spPr>
@@ -2359,7 +2753,7 @@
           <a:bodyPr/>
           <a:lstStyle/>
           <a:p>
-            <a:fld id="{A5A18F12-3D8B-467F-91F2-9003DA224C82}" type="datetimeFigureOut">
+            <a:fld id="{77BAADB5-1DC1-4EFE-AEDD-632E2D607A83}" type="datetime1">
               <a:rPr kumimoji="1" lang="ja-JP" altLang="en-US" smtClean="0"/>
               <a:t>2019/5/20</a:t>
             </a:fld>
@@ -2403,7 +2797,8 @@
           <a:p>
             <a:fld id="{CA40FFDB-7047-4507-8E2F-E8E6C535F1CF}" type="slidenum">
               <a:rPr kumimoji="1" lang="ja-JP" altLang="en-US" smtClean="0"/>
-              <a:t>‹#›</a:t>
+              <a:pPr/>
+              <a:t>&lt;#&gt;</a:t>
             </a:fld>
             <a:endParaRPr kumimoji="1" lang="ja-JP" altLang="en-US"/>
           </a:p>
@@ -2412,7 +2807,7 @@
     </p:spTree>
     <p:extLst>
       <p:ext uri="{BB962C8B-B14F-4D97-AF65-F5344CB8AC3E}">
-        <p14:creationId xmlns:p14="http://schemas.microsoft.com/office/powerpoint/2010/main" val="3129168776"/>
+        <p14:creationId xmlns:p14="http://schemas.microsoft.com/office/powerpoint/2010/main" xmlns="" val="3129168776"/>
       </p:ext>
     </p:extLst>
   </p:cSld>
@@ -2451,7 +2846,7 @@
         </p:nvSpPr>
         <p:spPr>
           <a:xfrm>
-            <a:off x="839788" y="457200"/>
+            <a:off x="839790" y="457200"/>
             <a:ext cx="3932237" cy="1600200"/>
           </a:xfrm>
         </p:spPr>
@@ -2483,7 +2878,7 @@
         </p:nvSpPr>
         <p:spPr>
           <a:xfrm>
-            <a:off x="5183188" y="987425"/>
+            <a:off x="5183188" y="987427"/>
             <a:ext cx="6172200" cy="4873625"/>
           </a:xfrm>
         </p:spPr>
@@ -2544,7 +2939,7 @@
         </p:nvSpPr>
         <p:spPr>
           <a:xfrm>
-            <a:off x="839788" y="2057400"/>
+            <a:off x="839790" y="2057400"/>
             <a:ext cx="3932237" cy="3811588"/>
           </a:xfrm>
         </p:spPr>
@@ -2612,7 +3007,7 @@
           <a:bodyPr/>
           <a:lstStyle/>
           <a:p>
-            <a:fld id="{A5A18F12-3D8B-467F-91F2-9003DA224C82}" type="datetimeFigureOut">
+            <a:fld id="{4F4BFBC8-958D-4FE8-8D57-4167B935E630}" type="datetime1">
               <a:rPr kumimoji="1" lang="ja-JP" altLang="en-US" smtClean="0"/>
               <a:t>2019/5/20</a:t>
             </a:fld>
@@ -2656,7 +3051,8 @@
           <a:p>
             <a:fld id="{CA40FFDB-7047-4507-8E2F-E8E6C535F1CF}" type="slidenum">
               <a:rPr kumimoji="1" lang="ja-JP" altLang="en-US" smtClean="0"/>
-              <a:t>‹#›</a:t>
+              <a:pPr/>
+              <a:t>&lt;#&gt;</a:t>
             </a:fld>
             <a:endParaRPr kumimoji="1" lang="ja-JP" altLang="en-US"/>
           </a:p>
@@ -2665,7 +3061,7 @@
     </p:spTree>
     <p:extLst>
       <p:ext uri="{BB962C8B-B14F-4D97-AF65-F5344CB8AC3E}">
-        <p14:creationId xmlns:p14="http://schemas.microsoft.com/office/powerpoint/2010/main" val="2850826246"/>
+        <p14:creationId xmlns:p14="http://schemas.microsoft.com/office/powerpoint/2010/main" xmlns="" val="2850826246"/>
       </p:ext>
     </p:extLst>
   </p:cSld>
@@ -2709,8 +3105,8 @@
         </p:nvSpPr>
         <p:spPr>
           <a:xfrm>
-            <a:off x="838200" y="365125"/>
-            <a:ext cx="10515600" cy="1325563"/>
+            <a:off x="838200" y="365127"/>
+            <a:ext cx="10515601" cy="1325563"/>
           </a:xfrm>
           <a:prstGeom prst="rect">
             <a:avLst/>
@@ -2743,7 +3139,7 @@
         <p:spPr>
           <a:xfrm>
             <a:off x="838200" y="1825625"/>
-            <a:ext cx="10515600" cy="4351338"/>
+            <a:ext cx="10515601" cy="4351338"/>
           </a:xfrm>
           <a:prstGeom prst="rect">
             <a:avLst/>
@@ -2836,7 +3232,7 @@
         </p:nvSpPr>
         <p:spPr>
           <a:xfrm>
-            <a:off x="838200" y="6356350"/>
+            <a:off x="838200" y="6356352"/>
             <a:ext cx="2743200" cy="365125"/>
           </a:xfrm>
           <a:prstGeom prst="rect">
@@ -2857,7 +3253,7 @@
             </a:lvl1pPr>
           </a:lstStyle>
           <a:p>
-            <a:fld id="{A5A18F12-3D8B-467F-91F2-9003DA224C82}" type="datetimeFigureOut">
+            <a:fld id="{21507ED3-2B68-47C4-BEA6-FB5F7E808FB1}" type="datetime1">
               <a:rPr kumimoji="1" lang="ja-JP" altLang="en-US" smtClean="0"/>
               <a:t>2019/5/20</a:t>
             </a:fld>
@@ -2877,8 +3273,8 @@
         </p:nvSpPr>
         <p:spPr>
           <a:xfrm>
-            <a:off x="4038600" y="6356350"/>
-            <a:ext cx="4114800" cy="365125"/>
+            <a:off x="4038601" y="6356352"/>
+            <a:ext cx="4114801" cy="365125"/>
           </a:xfrm>
           <a:prstGeom prst="rect">
             <a:avLst/>
@@ -2914,7 +3310,7 @@
         </p:nvSpPr>
         <p:spPr>
           <a:xfrm>
-            <a:off x="8610600" y="6356350"/>
+            <a:off x="8610601" y="6356352"/>
             <a:ext cx="2743200" cy="365125"/>
           </a:xfrm>
           <a:prstGeom prst="rect">
@@ -2937,7 +3333,8 @@
           <a:p>
             <a:fld id="{CA40FFDB-7047-4507-8E2F-E8E6C535F1CF}" type="slidenum">
               <a:rPr kumimoji="1" lang="ja-JP" altLang="en-US" smtClean="0"/>
-              <a:t>‹#›</a:t>
+              <a:pPr/>
+              <a:t>&lt;#&gt;</a:t>
             </a:fld>
             <a:endParaRPr kumimoji="1" lang="ja-JP" altLang="en-US"/>
           </a:p>
@@ -2946,7 +3343,7 @@
     </p:spTree>
     <p:extLst>
       <p:ext uri="{BB962C8B-B14F-4D97-AF65-F5344CB8AC3E}">
-        <p14:creationId xmlns:p14="http://schemas.microsoft.com/office/powerpoint/2010/main" val="1805812554"/>
+        <p14:creationId xmlns:p14="http://schemas.microsoft.com/office/powerpoint/2010/main" xmlns="" val="1805812554"/>
       </p:ext>
     </p:extLst>
   </p:cSld>
@@ -2964,6 +3361,7 @@
     <p:sldLayoutId id="2147483658" r:id="rId10"/>
     <p:sldLayoutId id="2147483659" r:id="rId11"/>
   </p:sldLayoutIdLst>
+  <p:hf hdr="0" ftr="0" dt="0"/>
   <p:txStyles>
     <p:titleStyle>
       <a:lvl1pPr algn="l" defTabSz="914400" rtl="0" eaLnBrk="1" latinLnBrk="0" hangingPunct="1">
@@ -3274,16 +3672,63 @@
             <p:ph type="ctrTitle"/>
           </p:nvPr>
         </p:nvSpPr>
-        <p:spPr/>
-        <p:txBody>
-          <a:bodyPr/>
-          <a:lstStyle/>
-          <a:p>
-            <a:r>
-              <a:rPr kumimoji="1" lang="ja-JP" altLang="en-US" dirty="0" smtClean="0"/>
-              <a:t>うお～</a:t>
-            </a:r>
-            <a:endParaRPr kumimoji="1" lang="ja-JP" altLang="en-US" dirty="0"/>
+        <p:spPr>
+          <a:xfrm>
+            <a:off x="979713" y="1081541"/>
+            <a:ext cx="10088337" cy="2387600"/>
+          </a:xfrm>
+        </p:spPr>
+        <p:txBody>
+          <a:bodyPr>
+            <a:normAutofit/>
+          </a:bodyPr>
+          <a:lstStyle/>
+          <a:p>
+            <a:r>
+              <a:rPr lang="ja-JP" altLang="en-US" dirty="0" smtClean="0">
+                <a:latin typeface="MS UI Gothic" pitchFamily="50" charset="-128"/>
+                <a:ea typeface="MS UI Gothic" pitchFamily="50" charset="-128"/>
+              </a:rPr>
+              <a:t>情報ネットワーク基礎</a:t>
+            </a:r>
+            <a:r>
+              <a:rPr lang="ja-JP" altLang="en-US" dirty="0" smtClean="0">
+                <a:latin typeface="MS UI Gothic" pitchFamily="50" charset="-128"/>
+                <a:ea typeface="MS UI Gothic" pitchFamily="50" charset="-128"/>
+              </a:rPr>
+              <a:t>実験発表</a:t>
+            </a:r>
+            <a:r>
+              <a:rPr lang="en-US" altLang="ja-JP" dirty="0" smtClean="0">
+                <a:latin typeface="MS UI Gothic" pitchFamily="50" charset="-128"/>
+                <a:ea typeface="MS UI Gothic" pitchFamily="50" charset="-128"/>
+              </a:rPr>
+              <a:t/>
+            </a:r>
+            <a:br>
+              <a:rPr lang="en-US" altLang="ja-JP" dirty="0" smtClean="0">
+                <a:latin typeface="MS UI Gothic" pitchFamily="50" charset="-128"/>
+                <a:ea typeface="MS UI Gothic" pitchFamily="50" charset="-128"/>
+              </a:rPr>
+            </a:br>
+            <a:r>
+              <a:rPr lang="ja-JP" altLang="en-US" dirty="0" smtClean="0">
+                <a:latin typeface="MS UI Gothic" pitchFamily="50" charset="-128"/>
+                <a:ea typeface="MS UI Gothic" pitchFamily="50" charset="-128"/>
+              </a:rPr>
+              <a:t>実験</a:t>
+            </a:r>
+            <a:r>
+              <a:rPr lang="en-US" altLang="ja-JP" dirty="0" smtClean="0">
+                <a:latin typeface="MS UI Gothic" pitchFamily="50" charset="-128"/>
+                <a:ea typeface="MS UI Gothic" pitchFamily="50" charset="-128"/>
+              </a:rPr>
+              <a:t>C</a:t>
+            </a:r>
+            <a:endParaRPr lang="ja-JP" altLang="en-US" dirty="0" smtClean="0">
+              <a:latin typeface="MS UI Gothic" pitchFamily="50" charset="-128"/>
+              <a:ea typeface="MS UI Gothic" pitchFamily="50" charset="-128"/>
+            </a:endParaRPr>
           </a:p>
         </p:txBody>
       </p:sp>
@@ -3299,9 +3744,105 @@
         </p:nvSpPr>
         <p:spPr/>
         <p:txBody>
-          <a:bodyPr/>
-          <a:lstStyle/>
-          <a:p>
+          <a:bodyPr>
+            <a:normAutofit lnSpcReduction="10000"/>
+          </a:bodyPr>
+          <a:lstStyle/>
+          <a:p>
+            <a:r>
+              <a:rPr lang="en-US" altLang="ja-JP" dirty="0" smtClean="0">
+                <a:latin typeface="MS UI Gothic" pitchFamily="50" charset="-128"/>
+                <a:ea typeface="MS UI Gothic" pitchFamily="50" charset="-128"/>
+              </a:rPr>
+              <a:t>J</a:t>
+            </a:r>
+            <a:r>
+              <a:rPr lang="ja-JP" altLang="en-US" dirty="0" smtClean="0">
+                <a:latin typeface="MS UI Gothic" pitchFamily="50" charset="-128"/>
+                <a:ea typeface="MS UI Gothic" pitchFamily="50" charset="-128"/>
+              </a:rPr>
+              <a:t>班</a:t>
+            </a:r>
+            <a:endParaRPr lang="en-US" altLang="ja-JP" dirty="0" smtClean="0">
+              <a:latin typeface="MS UI Gothic" pitchFamily="50" charset="-128"/>
+              <a:ea typeface="MS UI Gothic" pitchFamily="50" charset="-128"/>
+            </a:endParaRPr>
+          </a:p>
+          <a:p>
+            <a:r>
+              <a:rPr kumimoji="1" lang="ja-JP" altLang="en-US" dirty="0" smtClean="0">
+                <a:latin typeface="MS UI Gothic" pitchFamily="50" charset="-128"/>
+                <a:ea typeface="MS UI Gothic" pitchFamily="50" charset="-128"/>
+              </a:rPr>
+              <a:t>高橋涼</a:t>
+            </a:r>
+            <a:r>
+              <a:rPr kumimoji="1" lang="ja-JP" altLang="en-US" dirty="0" smtClean="0">
+                <a:latin typeface="MS UI Gothic" pitchFamily="50" charset="-128"/>
+                <a:ea typeface="MS UI Gothic" pitchFamily="50" charset="-128"/>
+              </a:rPr>
+              <a:t>介</a:t>
+            </a:r>
+            <a:endParaRPr kumimoji="1" lang="en-US" altLang="ja-JP" dirty="0" smtClean="0">
+              <a:latin typeface="MS UI Gothic" pitchFamily="50" charset="-128"/>
+              <a:ea typeface="MS UI Gothic" pitchFamily="50" charset="-128"/>
+            </a:endParaRPr>
+          </a:p>
+          <a:p>
+            <a:r>
+              <a:rPr kumimoji="1" lang="ja-JP" altLang="en-US" dirty="0" smtClean="0">
+                <a:latin typeface="MS UI Gothic" pitchFamily="50" charset="-128"/>
+                <a:ea typeface="MS UI Gothic" pitchFamily="50" charset="-128"/>
+              </a:rPr>
+              <a:t>田村千津</a:t>
+            </a:r>
+            <a:endParaRPr kumimoji="1" lang="en-US" altLang="ja-JP" dirty="0" smtClean="0">
+              <a:latin typeface="MS UI Gothic" pitchFamily="50" charset="-128"/>
+              <a:ea typeface="MS UI Gothic" pitchFamily="50" charset="-128"/>
+            </a:endParaRPr>
+          </a:p>
+          <a:p>
+            <a:r>
+              <a:rPr lang="ja-JP" altLang="en-US" dirty="0" smtClean="0">
+                <a:latin typeface="MS UI Gothic" pitchFamily="50" charset="-128"/>
+                <a:ea typeface="MS UI Gothic" pitchFamily="50" charset="-128"/>
+              </a:rPr>
+              <a:t>千葉 圭</a:t>
+            </a:r>
+            <a:r>
+              <a:rPr lang="en-US" altLang="ja-JP" dirty="0" smtClean="0">
+                <a:latin typeface="MS UI Gothic" pitchFamily="50" charset="-128"/>
+                <a:ea typeface="MS UI Gothic" pitchFamily="50" charset="-128"/>
+              </a:rPr>
+              <a:t>祐</a:t>
+            </a:r>
+            <a:endParaRPr kumimoji="1" lang="ja-JP" altLang="en-US" dirty="0">
+              <a:latin typeface="MS UI Gothic" pitchFamily="50" charset="-128"/>
+              <a:ea typeface="MS UI Gothic" pitchFamily="50" charset="-128"/>
+            </a:endParaRPr>
+          </a:p>
+        </p:txBody>
+      </p:sp>
+      <p:sp>
+        <p:nvSpPr>
+          <p:cNvPr id="4" name="スライド番号プレースホルダ 3"/>
+          <p:cNvSpPr>
+            <a:spLocks noGrp="1"/>
+          </p:cNvSpPr>
+          <p:nvPr>
+            <p:ph type="sldNum" sz="quarter" idx="12"/>
+          </p:nvPr>
+        </p:nvSpPr>
+        <p:spPr/>
+        <p:txBody>
+          <a:bodyPr/>
+          <a:lstStyle/>
+          <a:p>
+            <a:fld id="{CA40FFDB-7047-4507-8E2F-E8E6C535F1CF}" type="slidenum">
+              <a:rPr kumimoji="1" lang="ja-JP" altLang="en-US" smtClean="0"/>
+              <a:pPr/>
+              <a:t>1</a:t>
+            </a:fld>
             <a:endParaRPr kumimoji="1" lang="ja-JP" altLang="en-US"/>
           </a:p>
         </p:txBody>
@@ -3309,7 +3850,297 @@
     </p:spTree>
     <p:extLst>
       <p:ext uri="{BB962C8B-B14F-4D97-AF65-F5344CB8AC3E}">
-        <p14:creationId xmlns:p14="http://schemas.microsoft.com/office/powerpoint/2010/main" val="1655742139"/>
+        <p14:creationId xmlns:p14="http://schemas.microsoft.com/office/powerpoint/2010/main" xmlns="" val="1655742139"/>
+      </p:ext>
+    </p:extLst>
+  </p:cSld>
+  <p:clrMapOvr>
+    <a:masterClrMapping/>
+  </p:clrMapOvr>
+</p:sld>
+</file>
+
+<file path=ppt/slides/slide10.xml><?xml version="1.0" encoding="utf-8"?>
+<p:sld xmlns:a="http://schemas.openxmlformats.org/drawingml/2006/main" xmlns:r="http://schemas.openxmlformats.org/officeDocument/2006/relationships" xmlns:p="http://schemas.openxmlformats.org/presentationml/2006/main">
+  <p:cSld>
+    <p:spTree>
+      <p:nvGrpSpPr>
+        <p:cNvPr id="1" name=""/>
+        <p:cNvGrpSpPr/>
+        <p:nvPr/>
+      </p:nvGrpSpPr>
+      <p:grpSpPr>
+        <a:xfrm>
+          <a:off x="0" y="0"/>
+          <a:ext cx="0" cy="0"/>
+          <a:chOff x="0" y="0"/>
+          <a:chExt cx="0" cy="0"/>
+        </a:xfrm>
+      </p:grpSpPr>
+      <p:sp>
+        <p:nvSpPr>
+          <p:cNvPr id="2" name="タイトル 1"/>
+          <p:cNvSpPr>
+            <a:spLocks noGrp="1"/>
+          </p:cNvSpPr>
+          <p:nvPr>
+            <p:ph type="title"/>
+          </p:nvPr>
+        </p:nvSpPr>
+        <p:spPr/>
+        <p:txBody>
+          <a:bodyPr/>
+          <a:lstStyle/>
+          <a:p>
+            <a:r>
+              <a:rPr lang="ja-JP" altLang="en-US" dirty="0" smtClean="0">
+                <a:latin typeface="ＭＳ Ｐゴシック" panose="020B0600070205080204" pitchFamily="50" charset="-128"/>
+                <a:ea typeface="ＭＳ Ｐゴシック" panose="020B0600070205080204" pitchFamily="50" charset="-128"/>
+              </a:rPr>
+              <a:t>鮮鋭化フィルタ</a:t>
+            </a:r>
+            <a:endParaRPr kumimoji="1" lang="ja-JP" altLang="en-US" dirty="0">
+              <a:latin typeface="ＭＳ Ｐゴシック" panose="020B0600070205080204" pitchFamily="50" charset="-128"/>
+              <a:ea typeface="ＭＳ Ｐゴシック" panose="020B0600070205080204" pitchFamily="50" charset="-128"/>
+            </a:endParaRPr>
+          </a:p>
+        </p:txBody>
+      </p:sp>
+      <p:sp>
+        <p:nvSpPr>
+          <p:cNvPr id="3" name="コンテンツ プレースホルダー 2"/>
+          <p:cNvSpPr>
+            <a:spLocks noGrp="1"/>
+          </p:cNvSpPr>
+          <p:nvPr>
+            <p:ph idx="1"/>
+          </p:nvPr>
+        </p:nvSpPr>
+        <p:spPr/>
+        <p:txBody>
+          <a:bodyPr/>
+          <a:lstStyle/>
+          <a:p>
+            <a:r>
+              <a:rPr kumimoji="1" lang="ja-JP" altLang="en-US" dirty="0" smtClean="0">
+                <a:latin typeface="ＭＳ Ｐゴシック" panose="020B0600070205080204" pitchFamily="50" charset="-128"/>
+                <a:ea typeface="ＭＳ Ｐゴシック" panose="020B0600070205080204" pitchFamily="50" charset="-128"/>
+              </a:rPr>
+              <a:t>画像のエッジや輪郭を強調するフィルタ</a:t>
+            </a:r>
+            <a:r>
+              <a:rPr lang="en-US" altLang="ja-JP" dirty="0">
+                <a:latin typeface="ＭＳ Ｐゴシック" panose="020B0600070205080204" pitchFamily="50" charset="-128"/>
+                <a:ea typeface="ＭＳ Ｐゴシック" panose="020B0600070205080204" pitchFamily="50" charset="-128"/>
+              </a:rPr>
+              <a:t/>
+            </a:r>
+            <a:br>
+              <a:rPr lang="en-US" altLang="ja-JP" dirty="0">
+                <a:latin typeface="ＭＳ Ｐゴシック" panose="020B0600070205080204" pitchFamily="50" charset="-128"/>
+                <a:ea typeface="ＭＳ Ｐゴシック" panose="020B0600070205080204" pitchFamily="50" charset="-128"/>
+              </a:rPr>
+            </a:br>
+            <a:r>
+              <a:rPr lang="ja-JP" altLang="en-US" dirty="0" smtClean="0">
+                <a:latin typeface="ＭＳ Ｐゴシック" panose="020B0600070205080204" pitchFamily="50" charset="-128"/>
+                <a:ea typeface="ＭＳ Ｐゴシック" panose="020B0600070205080204" pitchFamily="50" charset="-128"/>
+              </a:rPr>
+              <a:t>→</a:t>
+            </a:r>
+            <a:r>
+              <a:rPr kumimoji="1" lang="en-US" altLang="ja-JP" dirty="0" smtClean="0">
+                <a:latin typeface="ＭＳ Ｐゴシック" panose="020B0600070205080204" pitchFamily="50" charset="-128"/>
+                <a:ea typeface="ＭＳ Ｐゴシック" panose="020B0600070205080204" pitchFamily="50" charset="-128"/>
+              </a:rPr>
+              <a:t/>
+            </a:r>
+            <a:br>
+              <a:rPr kumimoji="1" lang="en-US" altLang="ja-JP" dirty="0" smtClean="0">
+                <a:latin typeface="ＭＳ Ｐゴシック" panose="020B0600070205080204" pitchFamily="50" charset="-128"/>
+                <a:ea typeface="ＭＳ Ｐゴシック" panose="020B0600070205080204" pitchFamily="50" charset="-128"/>
+              </a:rPr>
+            </a:br>
+            <a:endParaRPr kumimoji="1" lang="ja-JP" altLang="en-US" dirty="0">
+              <a:latin typeface="ＭＳ Ｐゴシック" panose="020B0600070205080204" pitchFamily="50" charset="-128"/>
+              <a:ea typeface="ＭＳ Ｐゴシック" panose="020B0600070205080204" pitchFamily="50" charset="-128"/>
+            </a:endParaRPr>
+          </a:p>
+        </p:txBody>
+      </p:sp>
+      <p:sp>
+        <p:nvSpPr>
+          <p:cNvPr id="4" name="スライド番号プレースホルダ 3"/>
+          <p:cNvSpPr>
+            <a:spLocks noGrp="1"/>
+          </p:cNvSpPr>
+          <p:nvPr>
+            <p:ph type="sldNum" sz="quarter" idx="12"/>
+          </p:nvPr>
+        </p:nvSpPr>
+        <p:spPr/>
+        <p:txBody>
+          <a:bodyPr/>
+          <a:lstStyle/>
+          <a:p>
+            <a:fld id="{CA40FFDB-7047-4507-8E2F-E8E6C535F1CF}" type="slidenum">
+              <a:rPr kumimoji="1" lang="ja-JP" altLang="en-US" smtClean="0"/>
+              <a:pPr/>
+              <a:t>10</a:t>
+            </a:fld>
+            <a:endParaRPr kumimoji="1" lang="ja-JP" altLang="en-US"/>
+          </a:p>
+        </p:txBody>
+      </p:sp>
+    </p:spTree>
+    <p:extLst>
+      <p:ext uri="{BB962C8B-B14F-4D97-AF65-F5344CB8AC3E}">
+        <p14:creationId xmlns:p14="http://schemas.microsoft.com/office/powerpoint/2010/main" xmlns="" val="3473683145"/>
+      </p:ext>
+    </p:extLst>
+  </p:cSld>
+  <p:clrMapOvr>
+    <a:masterClrMapping/>
+  </p:clrMapOvr>
+</p:sld>
+</file>
+
+<file path=ppt/slides/slide11.xml><?xml version="1.0" encoding="utf-8"?>
+<p:sld xmlns:a="http://schemas.openxmlformats.org/drawingml/2006/main" xmlns:r="http://schemas.openxmlformats.org/officeDocument/2006/relationships" xmlns:p="http://schemas.openxmlformats.org/presentationml/2006/main">
+  <p:cSld>
+    <p:spTree>
+      <p:nvGrpSpPr>
+        <p:cNvPr id="1" name=""/>
+        <p:cNvGrpSpPr/>
+        <p:nvPr/>
+      </p:nvGrpSpPr>
+      <p:grpSpPr>
+        <a:xfrm>
+          <a:off x="0" y="0"/>
+          <a:ext cx="0" cy="0"/>
+          <a:chOff x="0" y="0"/>
+          <a:chExt cx="0" cy="0"/>
+        </a:xfrm>
+      </p:grpSpPr>
+      <p:sp>
+        <p:nvSpPr>
+          <p:cNvPr id="4" name="タイトル 3"/>
+          <p:cNvSpPr>
+            <a:spLocks noGrp="1"/>
+          </p:cNvSpPr>
+          <p:nvPr>
+            <p:ph type="title"/>
+          </p:nvPr>
+        </p:nvSpPr>
+        <p:spPr/>
+        <p:txBody>
+          <a:bodyPr/>
+          <a:lstStyle/>
+          <a:p>
+            <a:r>
+              <a:rPr kumimoji="1" lang="ja-JP" altLang="en-US" dirty="0" smtClean="0">
+                <a:latin typeface="ＭＳ Ｐゴシック" panose="020B0600070205080204" pitchFamily="50" charset="-128"/>
+                <a:ea typeface="ＭＳ Ｐゴシック" panose="020B0600070205080204" pitchFamily="50" charset="-128"/>
+              </a:rPr>
+              <a:t>実行結果（</a:t>
+            </a:r>
+            <a:r>
+              <a:rPr lang="ja-JP" altLang="en-US" dirty="0" smtClean="0">
+                <a:latin typeface="ＭＳ Ｐゴシック" panose="020B0600070205080204" pitchFamily="50" charset="-128"/>
+                <a:ea typeface="ＭＳ Ｐゴシック" panose="020B0600070205080204" pitchFamily="50" charset="-128"/>
+              </a:rPr>
+              <a:t>鮮鋭化フィルタ</a:t>
+            </a:r>
+            <a:r>
+              <a:rPr kumimoji="1" lang="ja-JP" altLang="en-US" dirty="0" smtClean="0">
+                <a:latin typeface="ＭＳ Ｐゴシック" panose="020B0600070205080204" pitchFamily="50" charset="-128"/>
+                <a:ea typeface="ＭＳ Ｐゴシック" panose="020B0600070205080204" pitchFamily="50" charset="-128"/>
+              </a:rPr>
+              <a:t>）</a:t>
+            </a:r>
+            <a:endParaRPr kumimoji="1" lang="ja-JP" altLang="en-US" dirty="0">
+              <a:latin typeface="ＭＳ Ｐゴシック" panose="020B0600070205080204" pitchFamily="50" charset="-128"/>
+              <a:ea typeface="ＭＳ Ｐゴシック" panose="020B0600070205080204" pitchFamily="50" charset="-128"/>
+            </a:endParaRPr>
+          </a:p>
+        </p:txBody>
+      </p:sp>
+      <p:pic>
+        <p:nvPicPr>
+          <p:cNvPr id="2" name="コンテンツ プレースホルダー 1"/>
+          <p:cNvPicPr>
+            <a:picLocks noGrp="1" noChangeAspect="1"/>
+          </p:cNvPicPr>
+          <p:nvPr>
+            <p:ph sz="half" idx="1"/>
+          </p:nvPr>
+        </p:nvPicPr>
+        <p:blipFill>
+          <a:blip r:embed="rId2" cstate="print">
+            <a:extLst>
+              <a:ext uri="{28A0092B-C50C-407E-A947-70E740481C1C}">
+                <a14:useLocalDpi xmlns:a14="http://schemas.microsoft.com/office/drawing/2010/main" xmlns="" val="0"/>
+              </a:ext>
+            </a:extLst>
+          </a:blip>
+          <a:stretch>
+            <a:fillRect/>
+          </a:stretch>
+        </p:blipFill>
+        <p:spPr>
+          <a:xfrm>
+            <a:off x="1261797" y="1825625"/>
+            <a:ext cx="4334406" cy="4351338"/>
+          </a:xfrm>
+        </p:spPr>
+      </p:pic>
+      <p:sp>
+        <p:nvSpPr>
+          <p:cNvPr id="6" name="コンテンツ プレースホルダー 5"/>
+          <p:cNvSpPr>
+            <a:spLocks noGrp="1"/>
+          </p:cNvSpPr>
+          <p:nvPr>
+            <p:ph sz="half" idx="2"/>
+          </p:nvPr>
+        </p:nvSpPr>
+        <p:spPr/>
+        <p:txBody>
+          <a:bodyPr/>
+          <a:lstStyle/>
+          <a:p>
+            <a:endParaRPr kumimoji="1" lang="ja-JP" altLang="en-US" dirty="0"/>
+          </a:p>
+        </p:txBody>
+      </p:sp>
+      <p:sp>
+        <p:nvSpPr>
+          <p:cNvPr id="5" name="スライド番号プレースホルダ 4"/>
+          <p:cNvSpPr>
+            <a:spLocks noGrp="1"/>
+          </p:cNvSpPr>
+          <p:nvPr>
+            <p:ph type="sldNum" sz="quarter" idx="12"/>
+          </p:nvPr>
+        </p:nvSpPr>
+        <p:spPr/>
+        <p:txBody>
+          <a:bodyPr/>
+          <a:lstStyle/>
+          <a:p>
+            <a:fld id="{CA40FFDB-7047-4507-8E2F-E8E6C535F1CF}" type="slidenum">
+              <a:rPr kumimoji="1" lang="ja-JP" altLang="en-US" smtClean="0"/>
+              <a:pPr/>
+              <a:t>11</a:t>
+            </a:fld>
+            <a:endParaRPr kumimoji="1" lang="ja-JP" altLang="en-US"/>
+          </a:p>
+        </p:txBody>
+      </p:sp>
+    </p:spTree>
+    <p:extLst>
+      <p:ext uri="{BB962C8B-B14F-4D97-AF65-F5344CB8AC3E}">
+        <p14:creationId xmlns:p14="http://schemas.microsoft.com/office/powerpoint/2010/main" xmlns="" val="372608523"/>
       </p:ext>
     </p:extLst>
   </p:cSld>
@@ -3464,10 +4295,34 @@
           </a:p>
         </p:txBody>
       </p:sp>
+      <p:sp>
+        <p:nvSpPr>
+          <p:cNvPr id="4" name="スライド番号プレースホルダ 3"/>
+          <p:cNvSpPr>
+            <a:spLocks noGrp="1"/>
+          </p:cNvSpPr>
+          <p:nvPr>
+            <p:ph type="sldNum" sz="quarter" idx="12"/>
+          </p:nvPr>
+        </p:nvSpPr>
+        <p:spPr/>
+        <p:txBody>
+          <a:bodyPr/>
+          <a:lstStyle/>
+          <a:p>
+            <a:fld id="{CA40FFDB-7047-4507-8E2F-E8E6C535F1CF}" type="slidenum">
+              <a:rPr kumimoji="1" lang="ja-JP" altLang="en-US" smtClean="0"/>
+              <a:pPr/>
+              <a:t>2</a:t>
+            </a:fld>
+            <a:endParaRPr kumimoji="1" lang="ja-JP" altLang="en-US"/>
+          </a:p>
+        </p:txBody>
+      </p:sp>
     </p:spTree>
     <p:extLst>
       <p:ext uri="{BB962C8B-B14F-4D97-AF65-F5344CB8AC3E}">
-        <p14:creationId xmlns:p14="http://schemas.microsoft.com/office/powerpoint/2010/main" val="2045942336"/>
+        <p14:creationId xmlns:p14="http://schemas.microsoft.com/office/powerpoint/2010/main" xmlns="" val="2045942336"/>
       </p:ext>
     </p:extLst>
   </p:cSld>
@@ -3534,10 +4389,10 @@
           </p:nvPr>
         </p:nvPicPr>
         <p:blipFill>
-          <a:blip r:embed="rId2">
+          <a:blip r:embed="rId2" cstate="print">
             <a:extLst>
               <a:ext uri="{28A0092B-C50C-407E-A947-70E740481C1C}">
-                <a14:useLocalDpi xmlns:a14="http://schemas.microsoft.com/office/drawing/2010/main" val="0"/>
+                <a14:useLocalDpi xmlns:a14="http://schemas.microsoft.com/office/drawing/2010/main" xmlns="" val="0"/>
               </a:ext>
             </a:extLst>
           </a:blip>
@@ -3552,29 +4407,57 @@
           </a:xfrm>
         </p:spPr>
       </p:pic>
-      <p:sp>
-        <p:nvSpPr>
-          <p:cNvPr id="6" name="コンテンツ プレースホルダー 5"/>
-          <p:cNvSpPr>
-            <a:spLocks noGrp="1"/>
-          </p:cNvSpPr>
+      <p:pic>
+        <p:nvPicPr>
+          <p:cNvPr id="7" name="コンテンツ プレースホルダ 6" descr="smooth.jpg"/>
+          <p:cNvPicPr>
+            <a:picLocks noGrp="1" noChangeAspect="1"/>
+          </p:cNvPicPr>
           <p:nvPr>
             <p:ph sz="half" idx="2"/>
           </p:nvPr>
-        </p:nvSpPr>
-        <p:spPr/>
-        <p:txBody>
-          <a:bodyPr/>
-          <a:lstStyle/>
-          <a:p>
-            <a:endParaRPr kumimoji="1" lang="ja-JP" altLang="en-US" dirty="0"/>
+        </p:nvPicPr>
+        <p:blipFill>
+          <a:blip r:embed="rId3" cstate="print"/>
+          <a:stretch>
+            <a:fillRect/>
+          </a:stretch>
+        </p:blipFill>
+        <p:spPr>
+          <a:xfrm>
+            <a:off x="6309033" y="1849407"/>
+            <a:ext cx="4320000" cy="4320000"/>
+          </a:xfrm>
+        </p:spPr>
+      </p:pic>
+      <p:sp>
+        <p:nvSpPr>
+          <p:cNvPr id="8" name="スライド番号プレースホルダ 7"/>
+          <p:cNvSpPr>
+            <a:spLocks noGrp="1"/>
+          </p:cNvSpPr>
+          <p:nvPr>
+            <p:ph type="sldNum" sz="quarter" idx="12"/>
+          </p:nvPr>
+        </p:nvSpPr>
+        <p:spPr/>
+        <p:txBody>
+          <a:bodyPr/>
+          <a:lstStyle/>
+          <a:p>
+            <a:fld id="{CA40FFDB-7047-4507-8E2F-E8E6C535F1CF}" type="slidenum">
+              <a:rPr kumimoji="1" lang="ja-JP" altLang="en-US" smtClean="0"/>
+              <a:pPr/>
+              <a:t>3</a:t>
+            </a:fld>
+            <a:endParaRPr kumimoji="1" lang="ja-JP" altLang="en-US"/>
           </a:p>
         </p:txBody>
       </p:sp>
     </p:spTree>
     <p:extLst>
       <p:ext uri="{BB962C8B-B14F-4D97-AF65-F5344CB8AC3E}">
-        <p14:creationId xmlns:p14="http://schemas.microsoft.com/office/powerpoint/2010/main" val="1597074073"/>
+        <p14:creationId xmlns:p14="http://schemas.microsoft.com/office/powerpoint/2010/main" xmlns="" val="1597074073"/>
       </p:ext>
     </p:extLst>
   </p:cSld>
@@ -3603,7 +4486,7 @@
       </p:grpSpPr>
       <p:sp>
         <p:nvSpPr>
-          <p:cNvPr id="4" name="タイトル 3"/>
+          <p:cNvPr id="2" name="タイトル 1"/>
           <p:cNvSpPr>
             <a:spLocks noGrp="1"/>
           </p:cNvSpPr>
@@ -3616,95 +4499,93 @@
           <a:bodyPr/>
           <a:lstStyle/>
           <a:p>
-            <a:r>
-              <a:rPr kumimoji="1" lang="ja-JP" altLang="en-US" dirty="0" smtClean="0">
-                <a:latin typeface="ＭＳ Ｐゴシック" panose="020B0600070205080204" pitchFamily="50" charset="-128"/>
-                <a:ea typeface="ＭＳ Ｐゴシック" panose="020B0600070205080204" pitchFamily="50" charset="-128"/>
-              </a:rPr>
-              <a:t>実行結果</a:t>
-            </a:r>
-            <a:r>
-              <a:rPr kumimoji="1" lang="ja-JP" altLang="en-US" dirty="0" smtClean="0">
-                <a:latin typeface="ＭＳ Ｐゴシック" panose="020B0600070205080204" pitchFamily="50" charset="-128"/>
-                <a:ea typeface="ＭＳ Ｐゴシック" panose="020B0600070205080204" pitchFamily="50" charset="-128"/>
-              </a:rPr>
-              <a:t>（</a:t>
-            </a:r>
             <a:r>
               <a:rPr lang="ja-JP" altLang="en-US" dirty="0" smtClean="0">
                 <a:latin typeface="ＭＳ Ｐゴシック" panose="020B0600070205080204" pitchFamily="50" charset="-128"/>
                 <a:ea typeface="ＭＳ Ｐゴシック" panose="020B0600070205080204" pitchFamily="50" charset="-128"/>
               </a:rPr>
-              <a:t>鮮鋭化フィルタ</a:t>
-            </a:r>
-            <a:r>
-              <a:rPr kumimoji="1" lang="ja-JP" altLang="en-US" dirty="0" smtClean="0">
-                <a:latin typeface="ＭＳ Ｐゴシック" panose="020B0600070205080204" pitchFamily="50" charset="-128"/>
-                <a:ea typeface="ＭＳ Ｐゴシック" panose="020B0600070205080204" pitchFamily="50" charset="-128"/>
-              </a:rPr>
-              <a:t>）</a:t>
-            </a:r>
-            <a:endParaRPr kumimoji="1" lang="ja-JP" altLang="en-US" dirty="0">
-              <a:latin typeface="ＭＳ Ｐゴシック" panose="020B0600070205080204" pitchFamily="50" charset="-128"/>
-              <a:ea typeface="ＭＳ Ｐゴシック" panose="020B0600070205080204" pitchFamily="50" charset="-128"/>
-            </a:endParaRPr>
+              <a:t>実行結果（平均値フィルタ）</a:t>
+            </a:r>
+            <a:endParaRPr kumimoji="1" lang="ja-JP" altLang="en-US" dirty="0"/>
           </a:p>
         </p:txBody>
       </p:sp>
       <p:pic>
         <p:nvPicPr>
-          <p:cNvPr id="2" name="コンテンツ プレースホルダー 1"/>
+          <p:cNvPr id="12" name="コンテンツ プレースホルダ 11" descr="smooth_mini.jpg"/>
           <p:cNvPicPr>
             <a:picLocks noGrp="1" noChangeAspect="1"/>
           </p:cNvPicPr>
           <p:nvPr>
-            <p:ph sz="half" idx="1"/>
+            <p:ph sz="half" idx="2"/>
           </p:nvPr>
         </p:nvPicPr>
         <p:blipFill>
-          <a:blip r:embed="rId2">
-            <a:extLst>
-              <a:ext uri="{28A0092B-C50C-407E-A947-70E740481C1C}">
-                <a14:useLocalDpi xmlns:a14="http://schemas.microsoft.com/office/drawing/2010/main" val="0"/>
-              </a:ext>
-            </a:extLst>
-          </a:blip>
+          <a:blip r:embed="rId2" cstate="print"/>
           <a:stretch>
             <a:fillRect/>
           </a:stretch>
         </p:blipFill>
         <p:spPr>
           <a:xfrm>
-            <a:off x="1261797" y="1825625"/>
-            <a:ext cx="4334406" cy="4351338"/>
+            <a:off x="7021285" y="1786051"/>
+            <a:ext cx="4320000" cy="4320000"/>
           </a:xfrm>
         </p:spPr>
       </p:pic>
-      <p:sp>
-        <p:nvSpPr>
-          <p:cNvPr id="6" name="コンテンツ プレースホルダー 5"/>
-          <p:cNvSpPr>
-            <a:spLocks noGrp="1"/>
-          </p:cNvSpPr>
-          <p:nvPr>
-            <p:ph sz="half" idx="2"/>
-          </p:nvPr>
-        </p:nvSpPr>
-        <p:spPr/>
-        <p:txBody>
-          <a:bodyPr/>
-          <a:lstStyle/>
-          <a:p>
-            <a:endParaRPr kumimoji="1" lang="ja-JP" altLang="en-US" dirty="0"/>
+      <p:pic>
+        <p:nvPicPr>
+          <p:cNvPr id="11" name="コンテンツ プレースホルダ 10" descr="mini.jpg"/>
+          <p:cNvPicPr>
+            <a:picLocks noGrp="1" noChangeAspect="1"/>
+          </p:cNvPicPr>
+          <p:nvPr>
+            <p:ph sz="half" idx="1"/>
+          </p:nvPr>
+        </p:nvPicPr>
+        <p:blipFill>
+          <a:blip r:embed="rId3" cstate="print"/>
+          <a:stretch>
+            <a:fillRect/>
+          </a:stretch>
+        </p:blipFill>
+        <p:spPr>
+          <a:xfrm>
+            <a:off x="936171" y="1786052"/>
+            <a:ext cx="4320000" cy="4320000"/>
+          </a:xfrm>
+          <a:ln>
+            <a:solidFill>
+              <a:schemeClr val="accent1"/>
+            </a:solidFill>
+          </a:ln>
+        </p:spPr>
+      </p:pic>
+      <p:sp>
+        <p:nvSpPr>
+          <p:cNvPr id="13" name="スライド番号プレースホルダ 12"/>
+          <p:cNvSpPr>
+            <a:spLocks noGrp="1"/>
+          </p:cNvSpPr>
+          <p:nvPr>
+            <p:ph type="sldNum" sz="quarter" idx="12"/>
+          </p:nvPr>
+        </p:nvSpPr>
+        <p:spPr/>
+        <p:txBody>
+          <a:bodyPr/>
+          <a:lstStyle/>
+          <a:p>
+            <a:fld id="{CA40FFDB-7047-4507-8E2F-E8E6C535F1CF}" type="slidenum">
+              <a:rPr kumimoji="1" lang="ja-JP" altLang="en-US" smtClean="0"/>
+              <a:pPr/>
+              <a:t>4</a:t>
+            </a:fld>
+            <a:endParaRPr kumimoji="1" lang="ja-JP" altLang="en-US"/>
           </a:p>
         </p:txBody>
       </p:sp>
     </p:spTree>
-    <p:extLst>
-      <p:ext uri="{BB962C8B-B14F-4D97-AF65-F5344CB8AC3E}">
-        <p14:creationId xmlns:p14="http://schemas.microsoft.com/office/powerpoint/2010/main" val="372608523"/>
-      </p:ext>
-    </p:extLst>
   </p:cSld>
   <p:clrMapOvr>
     <a:masterClrMapping/>
@@ -3745,40 +4626,11 @@
           <a:lstStyle/>
           <a:p>
             <a:r>
-              <a:rPr lang="ja-JP" altLang="en-US" dirty="0" smtClean="0">
+              <a:rPr lang="ja-JP" altLang="en-US" dirty="0">
                 <a:latin typeface="ＭＳ Ｐゴシック" panose="020B0600070205080204" pitchFamily="50" charset="-128"/>
                 <a:ea typeface="ＭＳ Ｐゴシック" panose="020B0600070205080204" pitchFamily="50" charset="-128"/>
               </a:rPr>
-              <a:t>鮮鋭化フィルタ</a:t>
-            </a:r>
-            <a:endParaRPr kumimoji="1" lang="ja-JP" altLang="en-US" dirty="0">
-              <a:latin typeface="ＭＳ Ｐゴシック" panose="020B0600070205080204" pitchFamily="50" charset="-128"/>
-              <a:ea typeface="ＭＳ Ｐゴシック" panose="020B0600070205080204" pitchFamily="50" charset="-128"/>
-            </a:endParaRPr>
-          </a:p>
-        </p:txBody>
-      </p:sp>
-      <p:sp>
-        <p:nvSpPr>
-          <p:cNvPr id="3" name="コンテンツ プレースホルダー 2"/>
-          <p:cNvSpPr>
-            <a:spLocks noGrp="1"/>
-          </p:cNvSpPr>
-          <p:nvPr>
-            <p:ph idx="1"/>
-          </p:nvPr>
-        </p:nvSpPr>
-        <p:spPr/>
-        <p:txBody>
-          <a:bodyPr/>
-          <a:lstStyle/>
-          <a:p>
-            <a:r>
-              <a:rPr kumimoji="1" lang="ja-JP" altLang="en-US" dirty="0" smtClean="0">
-                <a:latin typeface="ＭＳ Ｐゴシック" panose="020B0600070205080204" pitchFamily="50" charset="-128"/>
-                <a:ea typeface="ＭＳ Ｐゴシック" panose="020B0600070205080204" pitchFamily="50" charset="-128"/>
-              </a:rPr>
-              <a:t>画像のエッジや輪郭を強調する</a:t>
+              <a:t>微分</a:t>
             </a:r>
             <a:r>
               <a:rPr kumimoji="1" lang="ja-JP" altLang="en-US" dirty="0" smtClean="0">
@@ -3787,50 +4639,90 @@
               </a:rPr>
               <a:t>フィルタ</a:t>
             </a:r>
-            <a:r>
-              <a:rPr lang="en-US" altLang="ja-JP" dirty="0">
+            <a:endParaRPr kumimoji="1" lang="ja-JP" altLang="en-US" dirty="0">
+              <a:latin typeface="ＭＳ Ｐゴシック" panose="020B0600070205080204" pitchFamily="50" charset="-128"/>
+              <a:ea typeface="ＭＳ Ｐゴシック" panose="020B0600070205080204" pitchFamily="50" charset="-128"/>
+            </a:endParaRPr>
+          </a:p>
+        </p:txBody>
+      </p:sp>
+      <p:sp>
+        <p:nvSpPr>
+          <p:cNvPr id="3" name="コンテンツ プレースホルダー 2"/>
+          <p:cNvSpPr>
+            <a:spLocks noGrp="1"/>
+          </p:cNvSpPr>
+          <p:nvPr>
+            <p:ph idx="1"/>
+          </p:nvPr>
+        </p:nvSpPr>
+        <p:spPr/>
+        <p:txBody>
+          <a:bodyPr/>
+          <a:lstStyle/>
+          <a:p>
+            <a:r>
+              <a:rPr lang="ja-JP" altLang="en-US" dirty="0" smtClean="0">
+                <a:latin typeface="ＭＳ Ｐゴシック" panose="020B0600070205080204" pitchFamily="50" charset="-128"/>
+                <a:ea typeface="ＭＳ Ｐゴシック" panose="020B0600070205080204" pitchFamily="50" charset="-128"/>
+              </a:rPr>
+              <a:t>輪郭線や濃度が急激に変化するエッジ部などを強調</a:t>
+            </a:r>
+            <a:r>
+              <a:rPr lang="ja-JP" altLang="en-US" smtClean="0">
+                <a:latin typeface="ＭＳ Ｐゴシック" panose="020B0600070205080204" pitchFamily="50" charset="-128"/>
+                <a:ea typeface="ＭＳ Ｐゴシック" panose="020B0600070205080204" pitchFamily="50" charset="-128"/>
+              </a:rPr>
+              <a:t>するフィルタ</a:t>
+            </a:r>
+            <a:r>
+              <a:rPr lang="en-US" altLang="ja-JP" dirty="0" smtClean="0">
                 <a:latin typeface="ＭＳ Ｐゴシック" panose="020B0600070205080204" pitchFamily="50" charset="-128"/>
                 <a:ea typeface="ＭＳ Ｐゴシック" panose="020B0600070205080204" pitchFamily="50" charset="-128"/>
               </a:rPr>
               <a:t/>
             </a:r>
             <a:br>
-              <a:rPr lang="en-US" altLang="ja-JP" dirty="0">
+              <a:rPr lang="en-US" altLang="ja-JP" dirty="0" smtClean="0">
                 <a:latin typeface="ＭＳ Ｐゴシック" panose="020B0600070205080204" pitchFamily="50" charset="-128"/>
                 <a:ea typeface="ＭＳ Ｐゴシック" panose="020B0600070205080204" pitchFamily="50" charset="-128"/>
               </a:rPr>
             </a:br>
-            <a:r>
-              <a:rPr lang="ja-JP" altLang="en-US" dirty="0" smtClean="0">
-                <a:latin typeface="ＭＳ Ｐゴシック" panose="020B0600070205080204" pitchFamily="50" charset="-128"/>
-                <a:ea typeface="ＭＳ Ｐゴシック" panose="020B0600070205080204" pitchFamily="50" charset="-128"/>
-              </a:rPr>
-              <a:t>→</a:t>
-            </a:r>
-            <a:r>
-              <a:rPr kumimoji="1" lang="en-US" altLang="ja-JP" dirty="0" smtClean="0">
-                <a:latin typeface="ＭＳ Ｐゴシック" panose="020B0600070205080204" pitchFamily="50" charset="-128"/>
-                <a:ea typeface="ＭＳ Ｐゴシック" panose="020B0600070205080204" pitchFamily="50" charset="-128"/>
-              </a:rPr>
-              <a:t/>
-            </a:r>
-            <a:br>
-              <a:rPr kumimoji="1" lang="en-US" altLang="ja-JP" dirty="0" smtClean="0">
-                <a:latin typeface="ＭＳ Ｐゴシック" panose="020B0600070205080204" pitchFamily="50" charset="-128"/>
-                <a:ea typeface="ＭＳ Ｐゴシック" panose="020B0600070205080204" pitchFamily="50" charset="-128"/>
-              </a:rPr>
-            </a:br>
-            <a:endParaRPr kumimoji="1" lang="ja-JP" altLang="en-US" dirty="0">
+            <a:endParaRPr lang="en-US" altLang="ja-JP" dirty="0" smtClean="0">
               <a:latin typeface="ＭＳ Ｐゴシック" panose="020B0600070205080204" pitchFamily="50" charset="-128"/>
               <a:ea typeface="ＭＳ Ｐゴシック" panose="020B0600070205080204" pitchFamily="50" charset="-128"/>
             </a:endParaRPr>
           </a:p>
         </p:txBody>
       </p:sp>
+      <p:sp>
+        <p:nvSpPr>
+          <p:cNvPr id="4" name="スライド番号プレースホルダ 3"/>
+          <p:cNvSpPr>
+            <a:spLocks noGrp="1"/>
+          </p:cNvSpPr>
+          <p:nvPr>
+            <p:ph type="sldNum" sz="quarter" idx="12"/>
+          </p:nvPr>
+        </p:nvSpPr>
+        <p:spPr/>
+        <p:txBody>
+          <a:bodyPr/>
+          <a:lstStyle/>
+          <a:p>
+            <a:fld id="{CA40FFDB-7047-4507-8E2F-E8E6C535F1CF}" type="slidenum">
+              <a:rPr kumimoji="1" lang="ja-JP" altLang="en-US" smtClean="0"/>
+              <a:pPr/>
+              <a:t>5</a:t>
+            </a:fld>
+            <a:endParaRPr kumimoji="1" lang="ja-JP" altLang="en-US"/>
+          </a:p>
+        </p:txBody>
+      </p:sp>
     </p:spTree>
     <p:extLst>
       <p:ext uri="{BB962C8B-B14F-4D97-AF65-F5344CB8AC3E}">
-        <p14:creationId xmlns:p14="http://schemas.microsoft.com/office/powerpoint/2010/main" val="3473683145"/>
+        <p14:creationId xmlns:p14="http://schemas.microsoft.com/office/powerpoint/2010/main" xmlns="" val="1815940404"/>
       </p:ext>
     </p:extLst>
   </p:cSld>
@@ -3859,7 +4751,7 @@
       </p:grpSpPr>
       <p:sp>
         <p:nvSpPr>
-          <p:cNvPr id="2" name="タイトル 1"/>
+          <p:cNvPr id="4" name="タイトル 3"/>
           <p:cNvSpPr>
             <a:spLocks noGrp="1"/>
           </p:cNvSpPr>
@@ -3873,18 +4765,25 @@
           <a:lstStyle/>
           <a:p>
             <a:r>
-              <a:rPr lang="ja-JP" altLang="en-US" dirty="0">
+              <a:rPr lang="ja-JP" altLang="en-US" dirty="0" smtClean="0">
                 <a:latin typeface="ＭＳ Ｐゴシック" panose="020B0600070205080204" pitchFamily="50" charset="-128"/>
                 <a:ea typeface="ＭＳ Ｐゴシック" panose="020B0600070205080204" pitchFamily="50" charset="-128"/>
               </a:rPr>
-              <a:t>微分</a:t>
-            </a:r>
-            <a:r>
-              <a:rPr kumimoji="1" lang="ja-JP" altLang="en-US" dirty="0" smtClean="0">
+              <a:t>実行結果（</a:t>
+            </a:r>
+            <a:r>
+              <a:rPr lang="en-US" altLang="ja-JP" dirty="0" smtClean="0">
                 <a:latin typeface="ＭＳ Ｐゴシック" panose="020B0600070205080204" pitchFamily="50" charset="-128"/>
                 <a:ea typeface="ＭＳ Ｐゴシック" panose="020B0600070205080204" pitchFamily="50" charset="-128"/>
               </a:rPr>
-              <a:t>フィルタ</a:t>
+              <a:t>Prewitt</a:t>
+            </a:r>
+            <a:r>
+              <a:rPr lang="ja-JP" altLang="en-US" dirty="0" smtClean="0">
+                <a:latin typeface="ＭＳ Ｐゴシック" panose="020B0600070205080204" pitchFamily="50" charset="-128"/>
+                <a:ea typeface="ＭＳ Ｐゴシック" panose="020B0600070205080204" pitchFamily="50" charset="-128"/>
+              </a:rPr>
+              <a:t>のオペレータ）</a:t>
             </a:r>
             <a:endParaRPr kumimoji="1" lang="ja-JP" altLang="en-US" dirty="0">
               <a:latin typeface="ＭＳ Ｐゴシック" panose="020B0600070205080204" pitchFamily="50" charset="-128"/>
@@ -3893,66 +4792,99 @@
           </a:p>
         </p:txBody>
       </p:sp>
-      <p:sp>
-        <p:nvSpPr>
-          <p:cNvPr id="3" name="コンテンツ プレースホルダー 2"/>
-          <p:cNvSpPr>
-            <a:spLocks noGrp="1"/>
-          </p:cNvSpPr>
-          <p:nvPr>
-            <p:ph idx="1"/>
-          </p:nvPr>
-        </p:nvSpPr>
-        <p:spPr/>
-        <p:txBody>
-          <a:bodyPr/>
-          <a:lstStyle/>
-          <a:p>
-            <a:r>
-              <a:rPr lang="ja-JP" altLang="en-US" dirty="0" smtClean="0">
-                <a:latin typeface="ＭＳ Ｐゴシック" panose="020B0600070205080204" pitchFamily="50" charset="-128"/>
-                <a:ea typeface="ＭＳ Ｐゴシック" panose="020B0600070205080204" pitchFamily="50" charset="-128"/>
-              </a:rPr>
-              <a:t>輪郭線や濃度が急激に変化するエッジ部などを強調</a:t>
-            </a:r>
-            <a:r>
-              <a:rPr lang="ja-JP" altLang="en-US" smtClean="0">
-                <a:latin typeface="ＭＳ Ｐゴシック" panose="020B0600070205080204" pitchFamily="50" charset="-128"/>
-                <a:ea typeface="ＭＳ Ｐゴシック" panose="020B0600070205080204" pitchFamily="50" charset="-128"/>
-              </a:rPr>
-              <a:t>する</a:t>
-            </a:r>
-            <a:r>
-              <a:rPr lang="ja-JP" altLang="en-US" smtClean="0">
-                <a:latin typeface="ＭＳ Ｐゴシック" panose="020B0600070205080204" pitchFamily="50" charset="-128"/>
-                <a:ea typeface="ＭＳ Ｐゴシック" panose="020B0600070205080204" pitchFamily="50" charset="-128"/>
-              </a:rPr>
-              <a:t>フィルタ</a:t>
-            </a:r>
-            <a:r>
-              <a:rPr lang="en-US" altLang="ja-JP" dirty="0" smtClean="0">
-                <a:latin typeface="ＭＳ Ｐゴシック" panose="020B0600070205080204" pitchFamily="50" charset="-128"/>
-                <a:ea typeface="ＭＳ Ｐゴシック" panose="020B0600070205080204" pitchFamily="50" charset="-128"/>
-              </a:rPr>
-              <a:t/>
-            </a:r>
-            <a:br>
-              <a:rPr lang="en-US" altLang="ja-JP" dirty="0" smtClean="0">
-                <a:latin typeface="ＭＳ Ｐゴシック" panose="020B0600070205080204" pitchFamily="50" charset="-128"/>
-                <a:ea typeface="ＭＳ Ｐゴシック" panose="020B0600070205080204" pitchFamily="50" charset="-128"/>
-              </a:rPr>
-            </a:br>
-            <a:endParaRPr lang="en-US" altLang="ja-JP" dirty="0" smtClean="0">
-              <a:latin typeface="ＭＳ Ｐゴシック" panose="020B0600070205080204" pitchFamily="50" charset="-128"/>
-              <a:ea typeface="ＭＳ Ｐゴシック" panose="020B0600070205080204" pitchFamily="50" charset="-128"/>
-            </a:endParaRPr>
+      <p:pic>
+        <p:nvPicPr>
+          <p:cNvPr id="2" name="コンテンツ プレースホルダー 1"/>
+          <p:cNvPicPr>
+            <a:picLocks noGrp="1" noChangeAspect="1"/>
+          </p:cNvPicPr>
+          <p:nvPr>
+            <p:ph sz="half" idx="1"/>
+          </p:nvPr>
+        </p:nvPicPr>
+        <p:blipFill>
+          <a:blip r:embed="rId2" cstate="print">
+            <a:extLst>
+              <a:ext uri="{28A0092B-C50C-407E-A947-70E740481C1C}">
+                <a14:useLocalDpi xmlns:a14="http://schemas.microsoft.com/office/drawing/2010/main" xmlns="" val="0"/>
+              </a:ext>
+            </a:extLst>
+          </a:blip>
+          <a:stretch>
+            <a:fillRect/>
+          </a:stretch>
+        </p:blipFill>
+        <p:spPr>
+          <a:xfrm>
+            <a:off x="1261797" y="1825625"/>
+            <a:ext cx="4334406" cy="4351338"/>
+          </a:xfrm>
+        </p:spPr>
+      </p:pic>
+      <p:sp>
+        <p:nvSpPr>
+          <p:cNvPr id="9" name="テキスト プレースホルダー 8"/>
+          <p:cNvSpPr>
+            <a:spLocks noGrp="1"/>
+          </p:cNvSpPr>
+          <p:nvPr>
+            <p:ph sz="half" idx="2"/>
+          </p:nvPr>
+        </p:nvSpPr>
+        <p:spPr/>
+        <p:txBody>
+          <a:bodyPr/>
+          <a:lstStyle/>
+          <a:p>
+            <a:pPr marL="0" marR="0" lvl="0" indent="0" defTabSz="914400" eaLnBrk="1" fontAlgn="auto" latinLnBrk="0" hangingPunct="1">
+              <a:lnSpc>
+                <a:spcPct val="100000"/>
+              </a:lnSpc>
+              <a:spcBef>
+                <a:spcPts val="0"/>
+              </a:spcBef>
+              <a:spcAft>
+                <a:spcPts val="0"/>
+              </a:spcAft>
+              <a:buClrTx/>
+              <a:buSzTx/>
+              <a:buFontTx/>
+              <a:buNone/>
+              <a:tabLst/>
+              <a:defRPr/>
+            </a:pPr>
+            <a:endParaRPr kumimoji="1" lang="ja-JP" altLang="en-US" dirty="0"/>
+          </a:p>
+        </p:txBody>
+      </p:sp>
+      <p:sp>
+        <p:nvSpPr>
+          <p:cNvPr id="5" name="スライド番号プレースホルダ 4"/>
+          <p:cNvSpPr>
+            <a:spLocks noGrp="1"/>
+          </p:cNvSpPr>
+          <p:nvPr>
+            <p:ph type="sldNum" sz="quarter" idx="12"/>
+          </p:nvPr>
+        </p:nvSpPr>
+        <p:spPr/>
+        <p:txBody>
+          <a:bodyPr/>
+          <a:lstStyle/>
+          <a:p>
+            <a:fld id="{CA40FFDB-7047-4507-8E2F-E8E6C535F1CF}" type="slidenum">
+              <a:rPr kumimoji="1" lang="ja-JP" altLang="en-US" smtClean="0"/>
+              <a:pPr/>
+              <a:t>6</a:t>
+            </a:fld>
+            <a:endParaRPr kumimoji="1" lang="ja-JP" altLang="en-US"/>
           </a:p>
         </p:txBody>
       </p:sp>
     </p:spTree>
     <p:extLst>
       <p:ext uri="{BB962C8B-B14F-4D97-AF65-F5344CB8AC3E}">
-        <p14:creationId xmlns:p14="http://schemas.microsoft.com/office/powerpoint/2010/main" val="1815940404"/>
+        <p14:creationId xmlns:p14="http://schemas.microsoft.com/office/powerpoint/2010/main" xmlns="" val="1312823983"/>
       </p:ext>
     </p:extLst>
   </p:cSld>
@@ -4033,10 +4965,10 @@
           </p:nvPr>
         </p:nvPicPr>
         <p:blipFill>
-          <a:blip r:embed="rId2">
+          <a:blip r:embed="rId2" cstate="print">
             <a:extLst>
               <a:ext uri="{28A0092B-C50C-407E-A947-70E740481C1C}">
-                <a14:useLocalDpi xmlns:a14="http://schemas.microsoft.com/office/drawing/2010/main" val="0"/>
+                <a14:useLocalDpi xmlns:a14="http://schemas.microsoft.com/office/drawing/2010/main" xmlns="" val="0"/>
               </a:ext>
             </a:extLst>
           </a:blip>
@@ -4087,10 +5019,34 @@
           </a:p>
         </p:txBody>
       </p:sp>
+      <p:sp>
+        <p:nvSpPr>
+          <p:cNvPr id="5" name="スライド番号プレースホルダ 4"/>
+          <p:cNvSpPr>
+            <a:spLocks noGrp="1"/>
+          </p:cNvSpPr>
+          <p:nvPr>
+            <p:ph type="sldNum" sz="quarter" idx="12"/>
+          </p:nvPr>
+        </p:nvSpPr>
+        <p:spPr/>
+        <p:txBody>
+          <a:bodyPr/>
+          <a:lstStyle/>
+          <a:p>
+            <a:fld id="{CA40FFDB-7047-4507-8E2F-E8E6C535F1CF}" type="slidenum">
+              <a:rPr kumimoji="1" lang="ja-JP" altLang="en-US" smtClean="0"/>
+              <a:pPr/>
+              <a:t>7</a:t>
+            </a:fld>
+            <a:endParaRPr kumimoji="1" lang="ja-JP" altLang="en-US"/>
+          </a:p>
+        </p:txBody>
+      </p:sp>
     </p:spTree>
     <p:extLst>
       <p:ext uri="{BB962C8B-B14F-4D97-AF65-F5344CB8AC3E}">
-        <p14:creationId xmlns:p14="http://schemas.microsoft.com/office/powerpoint/2010/main" val="1312823983"/>
+        <p14:creationId xmlns:p14="http://schemas.microsoft.com/office/powerpoint/2010/main" xmlns="" val="1312823983"/>
       </p:ext>
     </p:extLst>
   </p:cSld>
@@ -4144,21 +5100,7 @@
                 <a:latin typeface="ＭＳ Ｐゴシック" panose="020B0600070205080204" pitchFamily="50" charset="-128"/>
                 <a:ea typeface="ＭＳ Ｐゴシック" panose="020B0600070205080204" pitchFamily="50" charset="-128"/>
               </a:rPr>
-              <a:t>（</a:t>
-            </a:r>
-            <a:r>
-              <a:rPr lang="ja-JP" altLang="en-US" dirty="0" smtClean="0">
-                <a:latin typeface="ＭＳ Ｐゴシック" panose="020B0600070205080204" pitchFamily="50" charset="-128"/>
-                <a:ea typeface="ＭＳ Ｐゴシック" panose="020B0600070205080204" pitchFamily="50" charset="-128"/>
-              </a:rPr>
-              <a:t>ラプラシアンフィルタ</a:t>
-            </a:r>
-            <a:r>
-              <a:rPr lang="ja-JP" altLang="en-US" dirty="0" smtClean="0">
-                <a:latin typeface="ＭＳ Ｐゴシック" panose="020B0600070205080204" pitchFamily="50" charset="-128"/>
-                <a:ea typeface="ＭＳ Ｐゴシック" panose="020B0600070205080204" pitchFamily="50" charset="-128"/>
-              </a:rPr>
-              <a:t>）</a:t>
+              <a:t>（ラプラシアンフィルタ）</a:t>
             </a:r>
             <a:endParaRPr kumimoji="1" lang="ja-JP" altLang="en-US" dirty="0">
               <a:latin typeface="ＭＳ Ｐゴシック" panose="020B0600070205080204" pitchFamily="50" charset="-128"/>
@@ -4178,10 +5120,10 @@
           </p:nvPr>
         </p:nvPicPr>
         <p:blipFill>
-          <a:blip r:embed="rId2">
+          <a:blip r:embed="rId2" cstate="print">
             <a:extLst>
               <a:ext uri="{28A0092B-C50C-407E-A947-70E740481C1C}">
-                <a14:useLocalDpi xmlns:a14="http://schemas.microsoft.com/office/drawing/2010/main" val="0"/>
+                <a14:useLocalDpi xmlns:a14="http://schemas.microsoft.com/office/drawing/2010/main" xmlns="" val="0"/>
               </a:ext>
             </a:extLst>
           </a:blip>
@@ -4215,10 +5157,172 @@
           </a:p>
         </p:txBody>
       </p:sp>
+      <p:sp>
+        <p:nvSpPr>
+          <p:cNvPr id="5" name="スライド番号プレースホルダ 4"/>
+          <p:cNvSpPr>
+            <a:spLocks noGrp="1"/>
+          </p:cNvSpPr>
+          <p:nvPr>
+            <p:ph type="sldNum" sz="quarter" idx="12"/>
+          </p:nvPr>
+        </p:nvSpPr>
+        <p:spPr/>
+        <p:txBody>
+          <a:bodyPr/>
+          <a:lstStyle/>
+          <a:p>
+            <a:fld id="{CA40FFDB-7047-4507-8E2F-E8E6C535F1CF}" type="slidenum">
+              <a:rPr kumimoji="1" lang="ja-JP" altLang="en-US" smtClean="0"/>
+              <a:pPr/>
+              <a:t>8</a:t>
+            </a:fld>
+            <a:endParaRPr kumimoji="1" lang="ja-JP" altLang="en-US"/>
+          </a:p>
+        </p:txBody>
+      </p:sp>
     </p:spTree>
     <p:extLst>
       <p:ext uri="{BB962C8B-B14F-4D97-AF65-F5344CB8AC3E}">
-        <p14:creationId xmlns:p14="http://schemas.microsoft.com/office/powerpoint/2010/main" val="977206691"/>
+        <p14:creationId xmlns:p14="http://schemas.microsoft.com/office/powerpoint/2010/main" xmlns="" val="977206691"/>
+      </p:ext>
+    </p:extLst>
+  </p:cSld>
+  <p:clrMapOvr>
+    <a:masterClrMapping/>
+  </p:clrMapOvr>
+</p:sld>
+</file>
+
+<file path=ppt/slides/slide9.xml><?xml version="1.0" encoding="utf-8"?>
+<p:sld xmlns:a="http://schemas.openxmlformats.org/drawingml/2006/main" xmlns:r="http://schemas.openxmlformats.org/officeDocument/2006/relationships" xmlns:p="http://schemas.openxmlformats.org/presentationml/2006/main">
+  <p:cSld>
+    <p:spTree>
+      <p:nvGrpSpPr>
+        <p:cNvPr id="1" name=""/>
+        <p:cNvGrpSpPr/>
+        <p:nvPr/>
+      </p:nvGrpSpPr>
+      <p:grpSpPr>
+        <a:xfrm>
+          <a:off x="0" y="0"/>
+          <a:ext cx="0" cy="0"/>
+          <a:chOff x="0" y="0"/>
+          <a:chExt cx="0" cy="0"/>
+        </a:xfrm>
+      </p:grpSpPr>
+      <p:sp>
+        <p:nvSpPr>
+          <p:cNvPr id="4" name="タイトル 3"/>
+          <p:cNvSpPr>
+            <a:spLocks noGrp="1"/>
+          </p:cNvSpPr>
+          <p:nvPr>
+            <p:ph type="title"/>
+          </p:nvPr>
+        </p:nvSpPr>
+        <p:spPr/>
+        <p:txBody>
+          <a:bodyPr/>
+          <a:lstStyle/>
+          <a:p>
+            <a:r>
+              <a:rPr kumimoji="1" lang="ja-JP" altLang="en-US" dirty="0" smtClean="0">
+                <a:latin typeface="ＭＳ Ｐゴシック" panose="020B0600070205080204" pitchFamily="50" charset="-128"/>
+                <a:ea typeface="ＭＳ Ｐゴシック" panose="020B0600070205080204" pitchFamily="50" charset="-128"/>
+              </a:rPr>
+              <a:t>実行結果</a:t>
+            </a:r>
+            <a:r>
+              <a:rPr lang="ja-JP" altLang="en-US" dirty="0" smtClean="0">
+                <a:latin typeface="ＭＳ Ｐゴシック" panose="020B0600070205080204" pitchFamily="50" charset="-128"/>
+                <a:ea typeface="ＭＳ Ｐゴシック" panose="020B0600070205080204" pitchFamily="50" charset="-128"/>
+              </a:rPr>
+              <a:t>（ラプラシアンフィルタ）</a:t>
+            </a:r>
+            <a:endParaRPr kumimoji="1" lang="ja-JP" altLang="en-US" dirty="0">
+              <a:latin typeface="ＭＳ Ｐゴシック" panose="020B0600070205080204" pitchFamily="50" charset="-128"/>
+              <a:ea typeface="ＭＳ Ｐゴシック" panose="020B0600070205080204" pitchFamily="50" charset="-128"/>
+            </a:endParaRPr>
+          </a:p>
+        </p:txBody>
+      </p:sp>
+      <p:pic>
+        <p:nvPicPr>
+          <p:cNvPr id="2" name="コンテンツ プレースホルダー 1"/>
+          <p:cNvPicPr>
+            <a:picLocks noGrp="1" noChangeAspect="1"/>
+          </p:cNvPicPr>
+          <p:nvPr>
+            <p:ph sz="half" idx="1"/>
+          </p:nvPr>
+        </p:nvPicPr>
+        <p:blipFill>
+          <a:blip r:embed="rId2" cstate="print">
+            <a:extLst>
+              <a:ext uri="{28A0092B-C50C-407E-A947-70E740481C1C}">
+                <a14:useLocalDpi xmlns:a14="http://schemas.microsoft.com/office/drawing/2010/main" xmlns="" val="0"/>
+              </a:ext>
+            </a:extLst>
+          </a:blip>
+          <a:stretch>
+            <a:fillRect/>
+          </a:stretch>
+        </p:blipFill>
+        <p:spPr>
+          <a:xfrm>
+            <a:off x="1261797" y="1825625"/>
+            <a:ext cx="4334406" cy="4351338"/>
+          </a:xfrm>
+        </p:spPr>
+      </p:pic>
+      <p:sp>
+        <p:nvSpPr>
+          <p:cNvPr id="6" name="コンテンツ プレースホルダー 5"/>
+          <p:cNvSpPr>
+            <a:spLocks noGrp="1"/>
+          </p:cNvSpPr>
+          <p:nvPr>
+            <p:ph sz="half" idx="2"/>
+          </p:nvPr>
+        </p:nvSpPr>
+        <p:spPr/>
+        <p:txBody>
+          <a:bodyPr/>
+          <a:lstStyle/>
+          <a:p>
+            <a:endParaRPr kumimoji="1" lang="ja-JP" altLang="en-US"/>
+          </a:p>
+        </p:txBody>
+      </p:sp>
+      <p:sp>
+        <p:nvSpPr>
+          <p:cNvPr id="5" name="スライド番号プレースホルダ 4"/>
+          <p:cNvSpPr>
+            <a:spLocks noGrp="1"/>
+          </p:cNvSpPr>
+          <p:nvPr>
+            <p:ph type="sldNum" sz="quarter" idx="12"/>
+          </p:nvPr>
+        </p:nvSpPr>
+        <p:spPr/>
+        <p:txBody>
+          <a:bodyPr/>
+          <a:lstStyle/>
+          <a:p>
+            <a:fld id="{CA40FFDB-7047-4507-8E2F-E8E6C535F1CF}" type="slidenum">
+              <a:rPr kumimoji="1" lang="ja-JP" altLang="en-US" smtClean="0"/>
+              <a:pPr/>
+              <a:t>9</a:t>
+            </a:fld>
+            <a:endParaRPr kumimoji="1" lang="ja-JP" altLang="en-US"/>
+          </a:p>
+        </p:txBody>
+      </p:sp>
+    </p:spTree>
+    <p:extLst>
+      <p:ext uri="{BB962C8B-B14F-4D97-AF65-F5344CB8AC3E}">
+        <p14:creationId xmlns:p14="http://schemas.microsoft.com/office/powerpoint/2010/main" xmlns="" val="977206691"/>
       </p:ext>
     </p:extLst>
   </p:cSld>
@@ -4271,7 +5375,7 @@
     </a:clrScheme>
     <a:fontScheme name="Office">
       <a:majorFont>
-        <a:latin typeface="游ゴシック Light" panose="020F0302020204030204"/>
+        <a:latin typeface="游ゴシック Light"/>
         <a:ea typeface=""/>
         <a:cs typeface=""/>
         <a:font script="Jpan" typeface="游ゴシック Light"/>
@@ -4306,7 +5410,7 @@
         <a:font script="Geor" typeface="Sylfaen"/>
       </a:majorFont>
       <a:minorFont>
-        <a:latin typeface="游ゴシック" panose="020F0502020204030204"/>
+        <a:latin typeface="游ゴシック"/>
         <a:ea typeface=""/>
         <a:cs typeface=""/>
         <a:font script="Jpan" typeface="游ゴシック"/>
@@ -4483,8 +5587,291 @@
   <a:extraClrSchemeLst/>
   <a:extLst>
     <a:ext uri="{05A4C25C-085E-4340-85A3-A5531E510DB2}">
-      <thm15:themeFamily xmlns:thm15="http://schemas.microsoft.com/office/thememl/2012/main" name="Office Theme" id="{62F939B6-93AF-4DB8-9C6B-D6C7DFDC589F}" vid="{4A3C46E8-61CC-4603-A589-7422A47A8E4A}"/>
+      <thm15:themeFamily xmlns:thm15="http://schemas.microsoft.com/office/thememl/2012/main" xmlns="" name="Office Theme" id="{62F939B6-93AF-4DB8-9C6B-D6C7DFDC589F}" vid="{4A3C46E8-61CC-4603-A589-7422A47A8E4A}"/>
     </a:ext>
   </a:extLst>
 </a:theme>
+</file>
+
+<file path=ppt/theme/theme2.xml><?xml version="1.0" encoding="utf-8"?>
+<a:theme xmlns:a="http://schemas.openxmlformats.org/drawingml/2006/main" name="Office テーマ">
+  <a:themeElements>
+    <a:clrScheme name="Office">
+      <a:dk1>
+        <a:sysClr val="windowText" lastClr="000000"/>
+      </a:dk1>
+      <a:lt1>
+        <a:sysClr val="window" lastClr="FFFFFF"/>
+      </a:lt1>
+      <a:dk2>
+        <a:srgbClr val="1F497D"/>
+      </a:dk2>
+      <a:lt2>
+        <a:srgbClr val="EEECE1"/>
+      </a:lt2>
+      <a:accent1>
+        <a:srgbClr val="4F81BD"/>
+      </a:accent1>
+      <a:accent2>
+        <a:srgbClr val="C0504D"/>
+      </a:accent2>
+      <a:accent3>
+        <a:srgbClr val="9BBB59"/>
+      </a:accent3>
+      <a:accent4>
+        <a:srgbClr val="8064A2"/>
+      </a:accent4>
+      <a:accent5>
+        <a:srgbClr val="4BACC6"/>
+      </a:accent5>
+      <a:accent6>
+        <a:srgbClr val="F79646"/>
+      </a:accent6>
+      <a:hlink>
+        <a:srgbClr val="0000FF"/>
+      </a:hlink>
+      <a:folHlink>
+        <a:srgbClr val="800080"/>
+      </a:folHlink>
+    </a:clrScheme>
+    <a:fontScheme name="Office">
+      <a:majorFont>
+        <a:latin typeface="Calibri"/>
+        <a:ea typeface=""/>
+        <a:cs typeface=""/>
+        <a:font script="Jpan" typeface="ＭＳ Ｐゴシック"/>
+        <a:font script="Hang" typeface="맑은 고딕"/>
+        <a:font script="Hans" typeface="宋体"/>
+        <a:font script="Hant" typeface="新細明體"/>
+        <a:font script="Arab" typeface="Times New Roman"/>
+        <a:font script="Hebr" typeface="Times New Roman"/>
+        <a:font script="Thai" typeface="Angsana New"/>
+        <a:font script="Ethi" typeface="Nyala"/>
+        <a:font script="Beng" typeface="Vrinda"/>
+        <a:font script="Gujr" typeface="Shruti"/>
+        <a:font script="Khmr" typeface="MoolBoran"/>
+        <a:font script="Knda" typeface="Tunga"/>
+        <a:font script="Guru" typeface="Raavi"/>
+        <a:font script="Cans" typeface="Euphemia"/>
+        <a:font script="Cher" typeface="Plantagenet Cherokee"/>
+        <a:font script="Yiii" typeface="Microsoft Yi Baiti"/>
+        <a:font script="Tibt" typeface="Microsoft Himalaya"/>
+        <a:font script="Thaa" typeface="MV Boli"/>
+        <a:font script="Deva" typeface="Mangal"/>
+        <a:font script="Telu" typeface="Gautami"/>
+        <a:font script="Taml" typeface="Latha"/>
+        <a:font script="Syrc" typeface="Estrangelo Edessa"/>
+        <a:font script="Orya" typeface="Kalinga"/>
+        <a:font script="Mlym" typeface="Kartika"/>
+        <a:font script="Laoo" typeface="DokChampa"/>
+        <a:font script="Sinh" typeface="Iskoola Pota"/>
+        <a:font script="Mong" typeface="Mongolian Baiti"/>
+        <a:font script="Viet" typeface="Times New Roman"/>
+        <a:font script="Uigh" typeface="Microsoft Uighur"/>
+      </a:majorFont>
+      <a:minorFont>
+        <a:latin typeface="Calibri"/>
+        <a:ea typeface=""/>
+        <a:cs typeface=""/>
+        <a:font script="Jpan" typeface="ＭＳ Ｐゴシック"/>
+        <a:font script="Hang" typeface="맑은 고딕"/>
+        <a:font script="Hans" typeface="宋体"/>
+        <a:font script="Hant" typeface="新細明體"/>
+        <a:font script="Arab" typeface="Arial"/>
+        <a:font script="Hebr" typeface="Arial"/>
+        <a:font script="Thai" typeface="Cordia New"/>
+        <a:font script="Ethi" typeface="Nyala"/>
+        <a:font script="Beng" typeface="Vrinda"/>
+        <a:font script="Gujr" typeface="Shruti"/>
+        <a:font script="Khmr" typeface="DaunPenh"/>
+        <a:font script="Knda" typeface="Tunga"/>
+        <a:font script="Guru" typeface="Raavi"/>
+        <a:font script="Cans" typeface="Euphemia"/>
+        <a:font script="Cher" typeface="Plantagenet Cherokee"/>
+        <a:font script="Yiii" typeface="Microsoft Yi Baiti"/>
+        <a:font script="Tibt" typeface="Microsoft Himalaya"/>
+        <a:font script="Thaa" typeface="MV Boli"/>
+        <a:font script="Deva" typeface="Mangal"/>
+        <a:font script="Telu" typeface="Gautami"/>
+        <a:font script="Taml" typeface="Latha"/>
+        <a:font script="Syrc" typeface="Estrangelo Edessa"/>
+        <a:font script="Orya" typeface="Kalinga"/>
+        <a:font script="Mlym" typeface="Kartika"/>
+        <a:font script="Laoo" typeface="DokChampa"/>
+        <a:font script="Sinh" typeface="Iskoola Pota"/>
+        <a:font script="Mong" typeface="Mongolian Baiti"/>
+        <a:font script="Viet" typeface="Arial"/>
+        <a:font script="Uigh" typeface="Microsoft Uighur"/>
+      </a:minorFont>
+    </a:fontScheme>
+    <a:fmtScheme name="Office">
+      <a:fillStyleLst>
+        <a:solidFill>
+          <a:schemeClr val="phClr"/>
+        </a:solidFill>
+        <a:gradFill rotWithShape="1">
+          <a:gsLst>
+            <a:gs pos="0">
+              <a:schemeClr val="phClr">
+                <a:tint val="50000"/>
+                <a:satMod val="300000"/>
+              </a:schemeClr>
+            </a:gs>
+            <a:gs pos="35000">
+              <a:schemeClr val="phClr">
+                <a:tint val="37000"/>
+                <a:satMod val="300000"/>
+              </a:schemeClr>
+            </a:gs>
+            <a:gs pos="100000">
+              <a:schemeClr val="phClr">
+                <a:tint val="15000"/>
+                <a:satMod val="350000"/>
+              </a:schemeClr>
+            </a:gs>
+          </a:gsLst>
+          <a:lin ang="16200000" scaled="1"/>
+        </a:gradFill>
+        <a:gradFill rotWithShape="1">
+          <a:gsLst>
+            <a:gs pos="0">
+              <a:schemeClr val="phClr">
+                <a:shade val="51000"/>
+                <a:satMod val="130000"/>
+              </a:schemeClr>
+            </a:gs>
+            <a:gs pos="80000">
+              <a:schemeClr val="phClr">
+                <a:shade val="93000"/>
+                <a:satMod val="130000"/>
+              </a:schemeClr>
+            </a:gs>
+            <a:gs pos="100000">
+              <a:schemeClr val="phClr">
+                <a:shade val="94000"/>
+                <a:satMod val="135000"/>
+              </a:schemeClr>
+            </a:gs>
+          </a:gsLst>
+          <a:lin ang="16200000" scaled="0"/>
+        </a:gradFill>
+      </a:fillStyleLst>
+      <a:lnStyleLst>
+        <a:ln w="9525" cap="flat" cmpd="sng" algn="ctr">
+          <a:solidFill>
+            <a:schemeClr val="phClr">
+              <a:shade val="95000"/>
+              <a:satMod val="105000"/>
+            </a:schemeClr>
+          </a:solidFill>
+          <a:prstDash val="solid"/>
+        </a:ln>
+        <a:ln w="25400" cap="flat" cmpd="sng" algn="ctr">
+          <a:solidFill>
+            <a:schemeClr val="phClr"/>
+          </a:solidFill>
+          <a:prstDash val="solid"/>
+        </a:ln>
+        <a:ln w="38100" cap="flat" cmpd="sng" algn="ctr">
+          <a:solidFill>
+            <a:schemeClr val="phClr"/>
+          </a:solidFill>
+          <a:prstDash val="solid"/>
+        </a:ln>
+      </a:lnStyleLst>
+      <a:effectStyleLst>
+        <a:effectStyle>
+          <a:effectLst>
+            <a:outerShdw blurRad="40000" dist="20000" dir="5400000" rotWithShape="0">
+              <a:srgbClr val="000000">
+                <a:alpha val="38000"/>
+              </a:srgbClr>
+            </a:outerShdw>
+          </a:effectLst>
+        </a:effectStyle>
+        <a:effectStyle>
+          <a:effectLst>
+            <a:outerShdw blurRad="40000" dist="23000" dir="5400000" rotWithShape="0">
+              <a:srgbClr val="000000">
+                <a:alpha val="35000"/>
+              </a:srgbClr>
+            </a:outerShdw>
+          </a:effectLst>
+        </a:effectStyle>
+        <a:effectStyle>
+          <a:effectLst>
+            <a:outerShdw blurRad="40000" dist="23000" dir="5400000" rotWithShape="0">
+              <a:srgbClr val="000000">
+                <a:alpha val="35000"/>
+              </a:srgbClr>
+            </a:outerShdw>
+          </a:effectLst>
+          <a:scene3d>
+            <a:camera prst="orthographicFront">
+              <a:rot lat="0" lon="0" rev="0"/>
+            </a:camera>
+            <a:lightRig rig="threePt" dir="t">
+              <a:rot lat="0" lon="0" rev="1200000"/>
+            </a:lightRig>
+          </a:scene3d>
+          <a:sp3d>
+            <a:bevelT w="63500" h="25400"/>
+          </a:sp3d>
+        </a:effectStyle>
+      </a:effectStyleLst>
+      <a:bgFillStyleLst>
+        <a:solidFill>
+          <a:schemeClr val="phClr"/>
+        </a:solidFill>
+        <a:gradFill rotWithShape="1">
+          <a:gsLst>
+            <a:gs pos="0">
+              <a:schemeClr val="phClr">
+                <a:tint val="40000"/>
+                <a:satMod val="350000"/>
+              </a:schemeClr>
+            </a:gs>
+            <a:gs pos="40000">
+              <a:schemeClr val="phClr">
+                <a:tint val="45000"/>
+                <a:shade val="99000"/>
+                <a:satMod val="350000"/>
+              </a:schemeClr>
+            </a:gs>
+            <a:gs pos="100000">
+              <a:schemeClr val="phClr">
+                <a:shade val="20000"/>
+                <a:satMod val="255000"/>
+              </a:schemeClr>
+            </a:gs>
+          </a:gsLst>
+          <a:path path="circle">
+            <a:fillToRect l="50000" t="-80000" r="50000" b="180000"/>
+          </a:path>
+        </a:gradFill>
+        <a:gradFill rotWithShape="1">
+          <a:gsLst>
+            <a:gs pos="0">
+              <a:schemeClr val="phClr">
+                <a:tint val="80000"/>
+                <a:satMod val="300000"/>
+              </a:schemeClr>
+            </a:gs>
+            <a:gs pos="100000">
+              <a:schemeClr val="phClr">
+                <a:shade val="30000"/>
+                <a:satMod val="200000"/>
+              </a:schemeClr>
+            </a:gs>
+          </a:gsLst>
+          <a:path path="circle">
+            <a:fillToRect l="50000" t="50000" r="50000" b="50000"/>
+          </a:path>
+        </a:gradFill>
+      </a:bgFillStyleLst>
+    </a:fmtScheme>
+  </a:themeElements>
+  <a:objectDefaults/>
+  <a:extraClrSchemeLst/>
+</a:theme>
 </file>